--- a/0.Preparation before class/Computer programming.pptx
+++ b/0.Preparation before class/Computer programming.pptx
@@ -29,7 +29,7 @@
   <p:notesSz cx="6858000" cy="9144000"/>
   <p:embeddedFontLst>
     <p:embeddedFont>
-      <p:font typeface="微软雅黑 Light" panose="020B0502040204020203" charset="-122"/>
+      <p:font typeface="微软雅黑 Light" charset="-122"/>
       <p:regular r:id="rId21"/>
     </p:embeddedFont>
     <p:embeddedFont>
@@ -37,23 +37,16 @@
       <p:regular r:id="rId22"/>
     </p:embeddedFont>
     <p:embeddedFont>
-      <p:font typeface="Yu Gothic UI Semibold" panose="020B0700000000000000" charset="-128"/>
-      <p:bold r:id="rId23"/>
+      <p:font typeface="Yu Gothic UI Semibold" charset="-128"/>
+      <p:regular r:id="rId23"/>
     </p:embeddedFont>
     <p:embeddedFont>
-      <p:font typeface="方正卡通简体" panose="03000509000000000000" charset="0"/>
+      <p:font typeface="方正喵呜体" charset="0"/>
       <p:regular r:id="rId24"/>
     </p:embeddedFont>
     <p:embeddedFont>
-      <p:font typeface="方正喵呜体" panose="02010600010101010101" charset="0"/>
+      <p:font typeface="方正卡通简体" charset="0"/>
       <p:regular r:id="rId25"/>
-    </p:embeddedFont>
-    <p:embeddedFont>
-      <p:font typeface="Calibri" panose="020F0502020204030204" charset="0"/>
-      <p:regular r:id="rId26"/>
-      <p:bold r:id="rId27"/>
-      <p:italic r:id="rId28"/>
-      <p:boldItalic r:id="rId29"/>
     </p:embeddedFont>
   </p:embeddedFontLst>
   <p:defaultTextStyle>
@@ -4672,7 +4665,7 @@
         <a:spcBef>
           <a:spcPts val="1000"/>
         </a:spcBef>
-        <a:buFont typeface="Arial" panose="020B0604020202020204" pitchFamily="34" charset="0"/>
+        <a:buFont typeface="Arial" pitchFamily="34" charset="0"/>
         <a:buChar char="•"/>
         <a:defRPr sz="2800" kern="1200">
           <a:solidFill>
@@ -4690,7 +4683,7 @@
         <a:spcBef>
           <a:spcPts val="500"/>
         </a:spcBef>
-        <a:buFont typeface="Arial" panose="020B0604020202020204" pitchFamily="34" charset="0"/>
+        <a:buFont typeface="Arial" pitchFamily="34" charset="0"/>
         <a:buChar char="•"/>
         <a:defRPr sz="2400" kern="1200">
           <a:solidFill>
@@ -4708,7 +4701,7 @@
         <a:spcBef>
           <a:spcPts val="500"/>
         </a:spcBef>
-        <a:buFont typeface="Arial" panose="020B0604020202020204" pitchFamily="34" charset="0"/>
+        <a:buFont typeface="Arial" pitchFamily="34" charset="0"/>
         <a:buChar char="•"/>
         <a:defRPr sz="2000" kern="1200">
           <a:solidFill>
@@ -4726,7 +4719,7 @@
         <a:spcBef>
           <a:spcPts val="500"/>
         </a:spcBef>
-        <a:buFont typeface="Arial" panose="020B0604020202020204" pitchFamily="34" charset="0"/>
+        <a:buFont typeface="Arial" pitchFamily="34" charset="0"/>
         <a:buChar char="•"/>
         <a:defRPr sz="1800" kern="1200">
           <a:solidFill>
@@ -4744,7 +4737,7 @@
         <a:spcBef>
           <a:spcPts val="500"/>
         </a:spcBef>
-        <a:buFont typeface="Arial" panose="020B0604020202020204" pitchFamily="34" charset="0"/>
+        <a:buFont typeface="Arial" pitchFamily="34" charset="0"/>
         <a:buChar char="•"/>
         <a:defRPr sz="1800" kern="1200">
           <a:solidFill>
@@ -4762,7 +4755,7 @@
         <a:spcBef>
           <a:spcPts val="500"/>
         </a:spcBef>
-        <a:buFont typeface="Arial" panose="020B0604020202020204" pitchFamily="34" charset="0"/>
+        <a:buFont typeface="Arial" pitchFamily="34" charset="0"/>
         <a:buChar char="•"/>
         <a:defRPr sz="1800" kern="1200">
           <a:solidFill>
@@ -4780,7 +4773,7 @@
         <a:spcBef>
           <a:spcPts val="500"/>
         </a:spcBef>
-        <a:buFont typeface="Arial" panose="020B0604020202020204" pitchFamily="34" charset="0"/>
+        <a:buFont typeface="Arial" pitchFamily="34" charset="0"/>
         <a:buChar char="•"/>
         <a:defRPr sz="1800" kern="1200">
           <a:solidFill>
@@ -4798,7 +4791,7 @@
         <a:spcBef>
           <a:spcPts val="500"/>
         </a:spcBef>
-        <a:buFont typeface="Arial" panose="020B0604020202020204" pitchFamily="34" charset="0"/>
+        <a:buFont typeface="Arial" pitchFamily="34" charset="0"/>
         <a:buChar char="•"/>
         <a:defRPr sz="1800" kern="1200">
           <a:solidFill>
@@ -4816,7 +4809,7 @@
         <a:spcBef>
           <a:spcPts val="500"/>
         </a:spcBef>
-        <a:buFont typeface="Arial" panose="020B0604020202020204" pitchFamily="34" charset="0"/>
+        <a:buFont typeface="Arial" pitchFamily="34" charset="0"/>
         <a:buChar char="•"/>
         <a:defRPr sz="1800" kern="1200">
           <a:solidFill>
@@ -5798,8 +5791,8 @@
                 <a:solidFill>
                   <a:schemeClr val="bg1"/>
                 </a:solidFill>
-                <a:latin typeface="Arial" panose="020B0604020202020204" pitchFamily="34" charset="0"/>
-                <a:ea typeface="Arial" panose="020B0604020202020204" pitchFamily="34" charset="0"/>
+                <a:latin typeface="Arial" pitchFamily="34" charset="0"/>
+                <a:ea typeface="Arial" pitchFamily="34" charset="0"/>
                 <a:sym typeface="+mn-ea"/>
               </a:rPr>
               <a:t> </a:t>
@@ -5809,8 +5802,8 @@
                 <a:solidFill>
                   <a:schemeClr val="bg1"/>
                 </a:solidFill>
-                <a:latin typeface="Arial" panose="020B0604020202020204" pitchFamily="34" charset="0"/>
-                <a:ea typeface="Arial" panose="020B0604020202020204" pitchFamily="34" charset="0"/>
+                <a:latin typeface="Arial" pitchFamily="34" charset="0"/>
+                <a:ea typeface="Arial" pitchFamily="34" charset="0"/>
                 <a:sym typeface="+mn-ea"/>
               </a:rPr>
               <a:t>YahBoom     </a:t>
@@ -5820,8 +5813,8 @@
                 <a:solidFill>
                   <a:schemeClr val="bg1"/>
                 </a:solidFill>
-                <a:latin typeface="Arial" panose="020B0604020202020204" pitchFamily="34" charset="0"/>
-                <a:ea typeface="Arial" panose="020B0604020202020204" pitchFamily="34" charset="0"/>
+                <a:latin typeface="Arial" pitchFamily="34" charset="0"/>
+                <a:ea typeface="Arial" pitchFamily="34" charset="0"/>
                 <a:sym typeface="+mn-ea"/>
               </a:rPr>
               <a:t>micro:bit</a:t>
@@ -5831,8 +5824,8 @@
                 <a:solidFill>
                   <a:schemeClr val="bg1"/>
                 </a:solidFill>
-                <a:latin typeface="Arial" panose="020B0604020202020204" pitchFamily="34" charset="0"/>
-                <a:ea typeface="Arial" panose="020B0604020202020204" pitchFamily="34" charset="0"/>
+                <a:latin typeface="Arial" pitchFamily="34" charset="0"/>
+                <a:ea typeface="Arial" pitchFamily="34" charset="0"/>
                 <a:sym typeface="+mn-ea"/>
               </a:rPr>
               <a:t> video tutorial</a:t>
@@ -6133,8 +6126,8 @@
                     </a:srgbClr>
                   </a:outerShdw>
                 </a:effectLst>
-                <a:latin typeface="微软雅黑 Light" panose="020B0502040204020203" charset="-122"/>
-                <a:ea typeface="微软雅黑 Light" panose="020B0502040204020203" charset="-122"/>
+                <a:latin typeface="微软雅黑 Light" charset="-122"/>
+                <a:ea typeface="微软雅黑 Light" charset="-122"/>
               </a:rPr>
               <a:t>   </a:t>
             </a:r>
@@ -6150,8 +6143,8 @@
                     </a:srgbClr>
                   </a:outerShdw>
                 </a:effectLst>
-                <a:latin typeface="Arial" panose="020B0604020202020204" pitchFamily="34" charset="0"/>
-                <a:ea typeface="Arial" panose="020B0604020202020204" pitchFamily="34" charset="0"/>
+                <a:latin typeface="Arial" pitchFamily="34" charset="0"/>
+                <a:ea typeface="Arial" pitchFamily="34" charset="0"/>
               </a:rPr>
               <a:t>micro:bit</a:t>
             </a:r>
@@ -6166,8 +6159,8 @@
                   </a:srgbClr>
                 </a:outerShdw>
               </a:effectLst>
-              <a:latin typeface="Arial" panose="020B0604020202020204" pitchFamily="34" charset="0"/>
-              <a:ea typeface="Arial" panose="020B0604020202020204" pitchFamily="34" charset="0"/>
+              <a:latin typeface="Arial" pitchFamily="34" charset="0"/>
+              <a:ea typeface="Arial" pitchFamily="34" charset="0"/>
             </a:endParaRPr>
           </a:p>
         </p:txBody>
@@ -6207,8 +6200,8 @@
                     </a:srgbClr>
                   </a:outerShdw>
                 </a:effectLst>
-                <a:latin typeface="Arial" panose="020B0604020202020204" pitchFamily="34" charset="0"/>
-                <a:ea typeface="Arial" panose="020B0604020202020204" pitchFamily="34" charset="0"/>
+                <a:latin typeface="Arial" pitchFamily="34" charset="0"/>
+                <a:ea typeface="Arial" pitchFamily="34" charset="0"/>
               </a:rPr>
               <a:t>preparation before class</a:t>
             </a:r>
@@ -6223,8 +6216,8 @@
                   </a:srgbClr>
                 </a:outerShdw>
               </a:effectLst>
-              <a:latin typeface="Arial" panose="020B0604020202020204" pitchFamily="34" charset="0"/>
-              <a:ea typeface="Arial" panose="020B0604020202020204" pitchFamily="34" charset="0"/>
+              <a:latin typeface="Arial" pitchFamily="34" charset="0"/>
+              <a:ea typeface="Arial" pitchFamily="34" charset="0"/>
             </a:endParaRPr>
           </a:p>
         </p:txBody>
@@ -6490,8 +6483,8 @@
                 <a:solidFill>
                   <a:schemeClr val="bg1"/>
                 </a:solidFill>
-                <a:latin typeface="Arial" panose="020B0604020202020204" pitchFamily="34" charset="0"/>
-                <a:ea typeface="Arial" panose="020B0604020202020204" pitchFamily="34" charset="0"/>
+                <a:latin typeface="Arial" pitchFamily="34" charset="0"/>
+                <a:ea typeface="Arial" pitchFamily="34" charset="0"/>
               </a:rPr>
               <a:t>                </a:t>
             </a:r>
@@ -6500,8 +6493,8 @@
                 <a:solidFill>
                   <a:schemeClr val="bg1"/>
                 </a:solidFill>
-                <a:latin typeface="Arial" panose="020B0604020202020204" pitchFamily="34" charset="0"/>
-                <a:ea typeface="Arial" panose="020B0604020202020204" pitchFamily="34" charset="0"/>
+                <a:latin typeface="Arial" pitchFamily="34" charset="0"/>
+                <a:ea typeface="Arial" pitchFamily="34" charset="0"/>
               </a:rPr>
               <a:t>                </a:t>
             </a:r>
@@ -6510,8 +6503,8 @@
                 <a:solidFill>
                   <a:schemeClr val="bg1"/>
                 </a:solidFill>
-                <a:latin typeface="Arial" panose="020B0604020202020204" pitchFamily="34" charset="0"/>
-                <a:ea typeface="Arial" panose="020B0604020202020204" pitchFamily="34" charset="0"/>
+                <a:latin typeface="Arial" pitchFamily="34" charset="0"/>
+                <a:ea typeface="Arial" pitchFamily="34" charset="0"/>
               </a:rPr>
               <a:t>micro:bit</a:t>
             </a:r>
@@ -6520,28 +6513,28 @@
                 <a:solidFill>
                   <a:schemeClr val="bg1"/>
                 </a:solidFill>
-                <a:latin typeface="Arial" panose="020B0604020202020204" pitchFamily="34" charset="0"/>
-                <a:ea typeface="Arial" panose="020B0604020202020204" pitchFamily="34" charset="0"/>
+                <a:latin typeface="Arial" pitchFamily="34" charset="0"/>
+                <a:ea typeface="Arial" pitchFamily="34" charset="0"/>
               </a:rPr>
               <a:t> module video tutorial</a:t>
             </a:r>
             <a:r>
               <a:rPr lang="zh-CN" altLang="en-US" sz="2800">
                 <a:latin typeface="icomoon" charset="0"/>
-                <a:ea typeface="Yu Gothic UI Semibold" panose="020B0700000000000000" charset="-128"/>
+                <a:ea typeface="Yu Gothic UI Semibold" charset="-128"/>
               </a:rPr>
               <a:t>          </a:t>
             </a:r>
             <a:r>
               <a:rPr lang="zh-CN" altLang="en-US" sz="2800" u="sng">
                 <a:latin typeface="icomoon" charset="0"/>
-                <a:ea typeface="Yu Gothic UI Semibold" panose="020B0700000000000000" charset="-128"/>
+                <a:ea typeface="Yu Gothic UI Semibold" charset="-128"/>
               </a:rPr>
               <a:t>                     </a:t>
             </a:r>
             <a:endParaRPr lang="zh-CN" altLang="en-US" sz="2800" u="sng">
               <a:latin typeface="icomoon" charset="0"/>
-              <a:ea typeface="Yu Gothic UI Semibold" panose="020B0700000000000000" charset="-128"/>
+              <a:ea typeface="Yu Gothic UI Semibold" charset="-128"/>
             </a:endParaRPr>
           </a:p>
         </p:txBody>
@@ -7070,8 +7063,8 @@
                 <a:solidFill>
                   <a:schemeClr val="bg1"/>
                 </a:solidFill>
-                <a:latin typeface="Arial" panose="020B0604020202020204" pitchFamily="34" charset="0"/>
-                <a:ea typeface="Arial" panose="020B0604020202020204" pitchFamily="34" charset="0"/>
+                <a:latin typeface="Arial" pitchFamily="34" charset="0"/>
+                <a:ea typeface="Arial" pitchFamily="34" charset="0"/>
               </a:rPr>
               <a:t>                     </a:t>
             </a:r>
@@ -7080,8 +7073,8 @@
                 <a:solidFill>
                   <a:schemeClr val="bg1"/>
                 </a:solidFill>
-                <a:latin typeface="Arial" panose="020B0604020202020204" pitchFamily="34" charset="0"/>
-                <a:ea typeface="Arial" panose="020B0604020202020204" pitchFamily="34" charset="0"/>
+                <a:latin typeface="Arial" pitchFamily="34" charset="0"/>
+                <a:ea typeface="Arial" pitchFamily="34" charset="0"/>
               </a:rPr>
               <a:t>               </a:t>
             </a:r>
@@ -7090,8 +7083,8 @@
                 <a:solidFill>
                   <a:schemeClr val="bg1"/>
                 </a:solidFill>
-                <a:latin typeface="Arial" panose="020B0604020202020204" pitchFamily="34" charset="0"/>
-                <a:ea typeface="Arial" panose="020B0604020202020204" pitchFamily="34" charset="0"/>
+                <a:latin typeface="Arial" pitchFamily="34" charset="0"/>
+                <a:ea typeface="Arial" pitchFamily="34" charset="0"/>
               </a:rPr>
               <a:t>micro:bit</a:t>
             </a:r>
@@ -7100,8 +7093,8 @@
                 <a:solidFill>
                   <a:schemeClr val="bg1"/>
                 </a:solidFill>
-                <a:latin typeface="Arial" panose="020B0604020202020204" pitchFamily="34" charset="0"/>
-                <a:ea typeface="Arial" panose="020B0604020202020204" pitchFamily="34" charset="0"/>
+                <a:latin typeface="Arial" pitchFamily="34" charset="0"/>
+                <a:ea typeface="Arial" pitchFamily="34" charset="0"/>
               </a:rPr>
               <a:t> module video tutorial</a:t>
             </a:r>
@@ -7110,21 +7103,21 @@
                 <a:solidFill>
                   <a:schemeClr val="bg1"/>
                 </a:solidFill>
-                <a:latin typeface="Arial" panose="020B0604020202020204" pitchFamily="34" charset="0"/>
-                <a:ea typeface="Arial" panose="020B0604020202020204" pitchFamily="34" charset="0"/>
+                <a:latin typeface="Arial" pitchFamily="34" charset="0"/>
+                <a:ea typeface="Arial" pitchFamily="34" charset="0"/>
               </a:rPr>
               <a:t> </a:t>
             </a:r>
             <a:r>
               <a:rPr lang="zh-CN" altLang="en-US" sz="2800" u="sng">
                 <a:latin typeface="icomoon" charset="0"/>
-                <a:ea typeface="Yu Gothic UI Semibold" panose="020B0700000000000000" charset="-128"/>
+                <a:ea typeface="Yu Gothic UI Semibold" charset="-128"/>
               </a:rPr>
               <a:t>                                </a:t>
             </a:r>
             <a:endParaRPr lang="zh-CN" altLang="en-US" sz="2800" u="sng">
               <a:latin typeface="icomoon" charset="0"/>
-              <a:ea typeface="Yu Gothic UI Semibold" panose="020B0700000000000000" charset="-128"/>
+              <a:ea typeface="Yu Gothic UI Semibold" charset="-128"/>
             </a:endParaRPr>
           </a:p>
         </p:txBody>
@@ -7157,8 +7150,8 @@
                     <a:lumMod val="75000"/>
                   </a:schemeClr>
                 </a:solidFill>
-                <a:latin typeface="Arial" panose="020B0604020202020204" pitchFamily="34" charset="0"/>
-                <a:ea typeface="Arial" panose="020B0604020202020204" pitchFamily="34" charset="0"/>
+                <a:latin typeface="Arial" pitchFamily="34" charset="0"/>
+                <a:ea typeface="Arial" pitchFamily="34" charset="0"/>
                 <a:sym typeface="+mn-ea"/>
               </a:rPr>
               <a:t>Part 3</a:t>
@@ -7169,8 +7162,8 @@
                   <a:lumMod val="75000"/>
                 </a:schemeClr>
               </a:solidFill>
-              <a:latin typeface="Arial" panose="020B0604020202020204" pitchFamily="34" charset="0"/>
-              <a:ea typeface="Arial" panose="020B0604020202020204" pitchFamily="34" charset="0"/>
+              <a:latin typeface="Arial" pitchFamily="34" charset="0"/>
+              <a:ea typeface="Arial" pitchFamily="34" charset="0"/>
               <a:sym typeface="+mn-ea"/>
             </a:endParaRPr>
           </a:p>
@@ -7571,8 +7564,8 @@
                 <a:solidFill>
                   <a:schemeClr val="bg1"/>
                 </a:solidFill>
-                <a:latin typeface="Arial" panose="020B0604020202020204" pitchFamily="34" charset="0"/>
-                <a:ea typeface="Arial" panose="020B0604020202020204" pitchFamily="34" charset="0"/>
+                <a:latin typeface="Arial" pitchFamily="34" charset="0"/>
+                <a:ea typeface="Arial" pitchFamily="34" charset="0"/>
                 <a:sym typeface="+mn-ea"/>
               </a:rPr>
               <a:t> </a:t>
@@ -7582,8 +7575,8 @@
                 <a:solidFill>
                   <a:schemeClr val="bg1"/>
                 </a:solidFill>
-                <a:latin typeface="Arial" panose="020B0604020202020204" pitchFamily="34" charset="0"/>
-                <a:ea typeface="Arial" panose="020B0604020202020204" pitchFamily="34" charset="0"/>
+                <a:latin typeface="Arial" pitchFamily="34" charset="0"/>
+                <a:ea typeface="Arial" pitchFamily="34" charset="0"/>
                 <a:sym typeface="+mn-ea"/>
               </a:rPr>
               <a:t>YahBoom     </a:t>
@@ -7593,8 +7586,8 @@
                 <a:solidFill>
                   <a:schemeClr val="bg1"/>
                 </a:solidFill>
-                <a:latin typeface="Arial" panose="020B0604020202020204" pitchFamily="34" charset="0"/>
-                <a:ea typeface="Arial" panose="020B0604020202020204" pitchFamily="34" charset="0"/>
+                <a:latin typeface="Arial" pitchFamily="34" charset="0"/>
+                <a:ea typeface="Arial" pitchFamily="34" charset="0"/>
                 <a:sym typeface="+mn-ea"/>
               </a:rPr>
               <a:t>micro:bit</a:t>
@@ -7604,8 +7597,8 @@
                 <a:solidFill>
                   <a:schemeClr val="bg1"/>
                 </a:solidFill>
-                <a:latin typeface="Arial" panose="020B0604020202020204" pitchFamily="34" charset="0"/>
-                <a:ea typeface="Arial" panose="020B0604020202020204" pitchFamily="34" charset="0"/>
+                <a:latin typeface="Arial" pitchFamily="34" charset="0"/>
+                <a:ea typeface="Arial" pitchFamily="34" charset="0"/>
                 <a:sym typeface="+mn-ea"/>
               </a:rPr>
               <a:t> video tutorial</a:t>
@@ -7648,8 +7641,8 @@
                     </a:srgbClr>
                   </a:outerShdw>
                 </a:effectLst>
-                <a:latin typeface="Arial" panose="020B0604020202020204" pitchFamily="34" charset="0"/>
-                <a:ea typeface="Arial" panose="020B0604020202020204" pitchFamily="34" charset="0"/>
+                <a:latin typeface="Arial" pitchFamily="34" charset="0"/>
+                <a:ea typeface="Arial" pitchFamily="34" charset="0"/>
                 <a:sym typeface="+mn-ea"/>
               </a:rPr>
               <a:t>       </a:t>
@@ -7666,8 +7659,8 @@
                     </a:srgbClr>
                   </a:outerShdw>
                 </a:effectLst>
-                <a:latin typeface="Arial" panose="020B0604020202020204" pitchFamily="34" charset="0"/>
-                <a:ea typeface="Arial" panose="020B0604020202020204" pitchFamily="34" charset="0"/>
+                <a:latin typeface="Arial" pitchFamily="34" charset="0"/>
+                <a:ea typeface="Arial" pitchFamily="34" charset="0"/>
                 <a:sym typeface="+mn-ea"/>
               </a:rPr>
               <a:t>After loading the package, we can see that the program bar has loaded the blocks made by YahBoom.</a:t>
@@ -7683,8 +7676,8 @@
                   </a:srgbClr>
                 </a:outerShdw>
               </a:effectLst>
-              <a:latin typeface="Arial" panose="020B0604020202020204" pitchFamily="34" charset="0"/>
-              <a:ea typeface="Arial" panose="020B0604020202020204" pitchFamily="34" charset="0"/>
+              <a:latin typeface="Arial" pitchFamily="34" charset="0"/>
+              <a:ea typeface="Arial" pitchFamily="34" charset="0"/>
               <a:sym typeface="+mn-ea"/>
             </a:endParaRPr>
           </a:p>
@@ -7742,8 +7735,8 @@
                     <a:lumMod val="75000"/>
                   </a:schemeClr>
                 </a:solidFill>
-                <a:latin typeface="Arial" panose="020B0604020202020204" pitchFamily="34" charset="0"/>
-                <a:ea typeface="Arial" panose="020B0604020202020204" pitchFamily="34" charset="0"/>
+                <a:latin typeface="Arial" pitchFamily="34" charset="0"/>
+                <a:ea typeface="Arial" pitchFamily="34" charset="0"/>
                 <a:sym typeface="+mn-ea"/>
               </a:rPr>
               <a:t>How to add YahBoom extension</a:t>
@@ -7755,8 +7748,8 @@
                     <a:lumMod val="75000"/>
                   </a:schemeClr>
                 </a:solidFill>
-                <a:latin typeface="Arial" panose="020B0604020202020204" pitchFamily="34" charset="0"/>
-                <a:ea typeface="Arial" panose="020B0604020202020204" pitchFamily="34" charset="0"/>
+                <a:latin typeface="Arial" pitchFamily="34" charset="0"/>
+                <a:ea typeface="Arial" pitchFamily="34" charset="0"/>
                 <a:sym typeface="+mn-ea"/>
               </a:rPr>
               <a:t> </a:t>
@@ -7767,8 +7760,8 @@
                   <a:lumMod val="75000"/>
                 </a:schemeClr>
               </a:solidFill>
-              <a:latin typeface="Arial" panose="020B0604020202020204" pitchFamily="34" charset="0"/>
-              <a:ea typeface="Arial" panose="020B0604020202020204" pitchFamily="34" charset="0"/>
+              <a:latin typeface="Arial" pitchFamily="34" charset="0"/>
+              <a:ea typeface="Arial" pitchFamily="34" charset="0"/>
               <a:sym typeface="+mn-ea"/>
             </a:endParaRPr>
           </a:p>
@@ -7844,8 +7837,8 @@
                     <a:lumMod val="75000"/>
                   </a:schemeClr>
                 </a:solidFill>
-                <a:latin typeface="Arial" panose="020B0604020202020204" pitchFamily="34" charset="0"/>
-                <a:ea typeface="Arial" panose="020B0604020202020204" pitchFamily="34" charset="0"/>
+                <a:latin typeface="Arial" pitchFamily="34" charset="0"/>
+                <a:ea typeface="Arial" pitchFamily="34" charset="0"/>
                 <a:sym typeface="+mn-ea"/>
               </a:rPr>
               <a:t>Part 4</a:t>
@@ -7856,8 +7849,8 @@
                   <a:lumMod val="75000"/>
                 </a:schemeClr>
               </a:solidFill>
-              <a:latin typeface="Arial" panose="020B0604020202020204" pitchFamily="34" charset="0"/>
-              <a:ea typeface="Arial" panose="020B0604020202020204" pitchFamily="34" charset="0"/>
+              <a:latin typeface="Arial" pitchFamily="34" charset="0"/>
+              <a:ea typeface="Arial" pitchFamily="34" charset="0"/>
               <a:sym typeface="+mn-ea"/>
             </a:endParaRPr>
           </a:p>
@@ -8114,8 +8107,8 @@
                     <a:lumMod val="75000"/>
                   </a:schemeClr>
                 </a:solidFill>
-                <a:latin typeface="Arial" panose="020B0604020202020204" pitchFamily="34" charset="0"/>
-                <a:ea typeface="Arial" panose="020B0604020202020204" pitchFamily="34" charset="0"/>
+                <a:latin typeface="Arial" pitchFamily="34" charset="0"/>
+                <a:ea typeface="Arial" pitchFamily="34" charset="0"/>
                 <a:sym typeface="+mn-ea"/>
               </a:rPr>
               <a:t>How to download </a:t>
@@ -8126,8 +8119,8 @@
                   <a:lumMod val="75000"/>
                 </a:schemeClr>
               </a:solidFill>
-              <a:latin typeface="Arial" panose="020B0604020202020204" pitchFamily="34" charset="0"/>
-              <a:ea typeface="Arial" panose="020B0604020202020204" pitchFamily="34" charset="0"/>
+              <a:latin typeface="Arial" pitchFamily="34" charset="0"/>
+              <a:ea typeface="Arial" pitchFamily="34" charset="0"/>
               <a:sym typeface="+mn-ea"/>
             </a:endParaRPr>
           </a:p>
@@ -8139,8 +8132,8 @@
                     <a:lumMod val="75000"/>
                   </a:schemeClr>
                 </a:solidFill>
-                <a:latin typeface="Arial" panose="020B0604020202020204" pitchFamily="34" charset="0"/>
-                <a:ea typeface="Arial" panose="020B0604020202020204" pitchFamily="34" charset="0"/>
+                <a:latin typeface="Arial" pitchFamily="34" charset="0"/>
+                <a:ea typeface="Arial" pitchFamily="34" charset="0"/>
                 <a:sym typeface="+mn-ea"/>
               </a:rPr>
               <a:t>micro:bit</a:t>
@@ -8152,8 +8145,8 @@
                     <a:lumMod val="75000"/>
                   </a:schemeClr>
                 </a:solidFill>
-                <a:latin typeface="Arial" panose="020B0604020202020204" pitchFamily="34" charset="0"/>
-                <a:ea typeface="Arial" panose="020B0604020202020204" pitchFamily="34" charset="0"/>
+                <a:latin typeface="Arial" pitchFamily="34" charset="0"/>
+                <a:ea typeface="Arial" pitchFamily="34" charset="0"/>
                 <a:sym typeface="+mn-ea"/>
               </a:rPr>
               <a:t> </a:t>
@@ -8165,8 +8158,8 @@
                     <a:lumMod val="75000"/>
                   </a:schemeClr>
                 </a:solidFill>
-                <a:latin typeface="Arial" panose="020B0604020202020204" pitchFamily="34" charset="0"/>
-                <a:ea typeface="Arial" panose="020B0604020202020204" pitchFamily="34" charset="0"/>
+                <a:latin typeface="Arial" pitchFamily="34" charset="0"/>
+                <a:ea typeface="Arial" pitchFamily="34" charset="0"/>
                 <a:sym typeface="+mn-ea"/>
               </a:rPr>
               <a:t>code?</a:t>
@@ -8177,8 +8170,8 @@
                   <a:lumMod val="75000"/>
                 </a:schemeClr>
               </a:solidFill>
-              <a:latin typeface="Arial" panose="020B0604020202020204" pitchFamily="34" charset="0"/>
-              <a:ea typeface="Arial" panose="020B0604020202020204" pitchFamily="34" charset="0"/>
+              <a:latin typeface="Arial" pitchFamily="34" charset="0"/>
+              <a:ea typeface="Arial" pitchFamily="34" charset="0"/>
               <a:sym typeface="+mn-ea"/>
             </a:endParaRPr>
           </a:p>
@@ -8217,8 +8210,8 @@
                     </a:srgbClr>
                   </a:outerShdw>
                 </a:effectLst>
-                <a:latin typeface="Arial" panose="020B0604020202020204" pitchFamily="34" charset="0"/>
-                <a:ea typeface="Arial" panose="020B0604020202020204" pitchFamily="34" charset="0"/>
+                <a:latin typeface="Arial" pitchFamily="34" charset="0"/>
+                <a:ea typeface="Arial" pitchFamily="34" charset="0"/>
               </a:rPr>
               <a:t>       </a:t>
             </a:r>
@@ -8234,8 +8227,8 @@
                     </a:srgbClr>
                   </a:outerShdw>
                 </a:effectLst>
-                <a:latin typeface="Arial" panose="020B0604020202020204" pitchFamily="34" charset="0"/>
-                <a:ea typeface="Arial" panose="020B0604020202020204" pitchFamily="34" charset="0"/>
+                <a:latin typeface="Arial" pitchFamily="34" charset="0"/>
+                <a:ea typeface="Arial" pitchFamily="34" charset="0"/>
               </a:rPr>
               <a:t>After the building blocks</a:t>
             </a:r>
@@ -8251,8 +8244,8 @@
                     </a:srgbClr>
                   </a:outerShdw>
                 </a:effectLst>
-                <a:latin typeface="Arial" panose="020B0604020202020204" pitchFamily="34" charset="0"/>
-                <a:ea typeface="Arial" panose="020B0604020202020204" pitchFamily="34" charset="0"/>
+                <a:latin typeface="Arial" pitchFamily="34" charset="0"/>
+                <a:ea typeface="Arial" pitchFamily="34" charset="0"/>
               </a:rPr>
               <a:t>, click Download. </a:t>
             </a:r>
@@ -8268,8 +8261,8 @@
                     </a:srgbClr>
                   </a:outerShdw>
                 </a:effectLst>
-                <a:latin typeface="Arial" panose="020B0604020202020204" pitchFamily="34" charset="0"/>
-                <a:ea typeface="Arial" panose="020B0604020202020204" pitchFamily="34" charset="0"/>
+                <a:latin typeface="Arial" pitchFamily="34" charset="0"/>
+                <a:ea typeface="Arial" pitchFamily="34" charset="0"/>
               </a:rPr>
               <a:t>You can set the download path in the U disk of micro:bit, download it to the computer, and then copy it to the U disk in micro:bit.</a:t>
             </a:r>
@@ -8284,8 +8277,8 @@
                   </a:srgbClr>
                 </a:outerShdw>
               </a:effectLst>
-              <a:latin typeface="Arial" panose="020B0604020202020204" pitchFamily="34" charset="0"/>
-              <a:ea typeface="Arial" panose="020B0604020202020204" pitchFamily="34" charset="0"/>
+              <a:latin typeface="Arial" pitchFamily="34" charset="0"/>
+              <a:ea typeface="Arial" pitchFamily="34" charset="0"/>
             </a:endParaRPr>
           </a:p>
         </p:txBody>
@@ -8316,8 +8309,8 @@
                 <a:solidFill>
                   <a:schemeClr val="bg1"/>
                 </a:solidFill>
-                <a:latin typeface="Arial" panose="020B0604020202020204" pitchFamily="34" charset="0"/>
-                <a:ea typeface="Arial" panose="020B0604020202020204" pitchFamily="34" charset="0"/>
+                <a:latin typeface="Arial" pitchFamily="34" charset="0"/>
+                <a:ea typeface="Arial" pitchFamily="34" charset="0"/>
               </a:rPr>
               <a:t>          </a:t>
             </a:r>
@@ -8326,8 +8319,8 @@
                 <a:solidFill>
                   <a:schemeClr val="bg1"/>
                 </a:solidFill>
-                <a:latin typeface="Arial" panose="020B0604020202020204" pitchFamily="34" charset="0"/>
-                <a:ea typeface="Arial" panose="020B0604020202020204" pitchFamily="34" charset="0"/>
+                <a:latin typeface="Arial" pitchFamily="34" charset="0"/>
+                <a:ea typeface="Arial" pitchFamily="34" charset="0"/>
               </a:rPr>
               <a:t>                         </a:t>
             </a:r>
@@ -8336,8 +8329,8 @@
                 <a:solidFill>
                   <a:schemeClr val="bg1"/>
                 </a:solidFill>
-                <a:latin typeface="Arial" panose="020B0604020202020204" pitchFamily="34" charset="0"/>
-                <a:ea typeface="Arial" panose="020B0604020202020204" pitchFamily="34" charset="0"/>
+                <a:latin typeface="Arial" pitchFamily="34" charset="0"/>
+                <a:ea typeface="Arial" pitchFamily="34" charset="0"/>
               </a:rPr>
               <a:t>micro:bit</a:t>
             </a:r>
@@ -8346,8 +8339,8 @@
                 <a:solidFill>
                   <a:schemeClr val="bg1"/>
                 </a:solidFill>
-                <a:latin typeface="Arial" panose="020B0604020202020204" pitchFamily="34" charset="0"/>
-                <a:ea typeface="Arial" panose="020B0604020202020204" pitchFamily="34" charset="0"/>
+                <a:latin typeface="Arial" pitchFamily="34" charset="0"/>
+                <a:ea typeface="Arial" pitchFamily="34" charset="0"/>
               </a:rPr>
               <a:t> module video tutorial</a:t>
             </a:r>
@@ -8356,21 +8349,21 @@
                 <a:solidFill>
                   <a:schemeClr val="bg1"/>
                 </a:solidFill>
-                <a:latin typeface="Arial" panose="020B0604020202020204" pitchFamily="34" charset="0"/>
-                <a:ea typeface="Arial" panose="020B0604020202020204" pitchFamily="34" charset="0"/>
+                <a:latin typeface="Arial" pitchFamily="34" charset="0"/>
+                <a:ea typeface="Arial" pitchFamily="34" charset="0"/>
               </a:rPr>
               <a:t> </a:t>
             </a:r>
             <a:r>
               <a:rPr lang="zh-CN" altLang="en-US" sz="2800" u="sng">
                 <a:latin typeface="icomoon" charset="0"/>
-                <a:ea typeface="Yu Gothic UI Semibold" panose="020B0700000000000000" charset="-128"/>
+                <a:ea typeface="Yu Gothic UI Semibold" charset="-128"/>
               </a:rPr>
               <a:t>                                </a:t>
             </a:r>
             <a:endParaRPr lang="zh-CN" altLang="en-US" sz="2800" u="sng">
               <a:latin typeface="icomoon" charset="0"/>
-              <a:ea typeface="Yu Gothic UI Semibold" panose="020B0700000000000000" charset="-128"/>
+              <a:ea typeface="Yu Gothic UI Semibold" charset="-128"/>
             </a:endParaRPr>
           </a:p>
         </p:txBody>
@@ -8770,8 +8763,8 @@
                 <a:solidFill>
                   <a:schemeClr val="bg1"/>
                 </a:solidFill>
-                <a:latin typeface="Arial" panose="020B0604020202020204" pitchFamily="34" charset="0"/>
-                <a:ea typeface="Arial" panose="020B0604020202020204" pitchFamily="34" charset="0"/>
+                <a:latin typeface="Arial" pitchFamily="34" charset="0"/>
+                <a:ea typeface="Arial" pitchFamily="34" charset="0"/>
                 <a:sym typeface="+mn-ea"/>
               </a:rPr>
               <a:t> </a:t>
@@ -8781,8 +8774,8 @@
                 <a:solidFill>
                   <a:schemeClr val="bg1"/>
                 </a:solidFill>
-                <a:latin typeface="Arial" panose="020B0604020202020204" pitchFamily="34" charset="0"/>
-                <a:ea typeface="Arial" panose="020B0604020202020204" pitchFamily="34" charset="0"/>
+                <a:latin typeface="Arial" pitchFamily="34" charset="0"/>
+                <a:ea typeface="Arial" pitchFamily="34" charset="0"/>
                 <a:sym typeface="+mn-ea"/>
               </a:rPr>
               <a:t>YahBoom     </a:t>
@@ -8792,8 +8785,8 @@
                 <a:solidFill>
                   <a:schemeClr val="bg1"/>
                 </a:solidFill>
-                <a:latin typeface="Arial" panose="020B0604020202020204" pitchFamily="34" charset="0"/>
-                <a:ea typeface="Arial" panose="020B0604020202020204" pitchFamily="34" charset="0"/>
+                <a:latin typeface="Arial" pitchFamily="34" charset="0"/>
+                <a:ea typeface="Arial" pitchFamily="34" charset="0"/>
                 <a:sym typeface="+mn-ea"/>
               </a:rPr>
               <a:t>micro:bit</a:t>
@@ -8803,8 +8796,8 @@
                 <a:solidFill>
                   <a:schemeClr val="bg1"/>
                 </a:solidFill>
-                <a:latin typeface="Arial" panose="020B0604020202020204" pitchFamily="34" charset="0"/>
-                <a:ea typeface="Arial" panose="020B0604020202020204" pitchFamily="34" charset="0"/>
+                <a:latin typeface="Arial" pitchFamily="34" charset="0"/>
+                <a:ea typeface="Arial" pitchFamily="34" charset="0"/>
                 <a:sym typeface="+mn-ea"/>
               </a:rPr>
               <a:t> video tutorial</a:t>
@@ -8907,8 +8900,8 @@
                     <a:lumMod val="75000"/>
                   </a:schemeClr>
                 </a:solidFill>
-                <a:latin typeface="Arial" panose="020B0604020202020204" pitchFamily="34" charset="0"/>
-                <a:ea typeface="Arial" panose="020B0604020202020204" pitchFamily="34" charset="0"/>
+                <a:latin typeface="Arial" pitchFamily="34" charset="0"/>
+                <a:ea typeface="Arial" pitchFamily="34" charset="0"/>
                 <a:sym typeface="+mn-ea"/>
               </a:rPr>
               <a:t>Part 4</a:t>
@@ -8919,8 +8912,8 @@
                   <a:lumMod val="75000"/>
                 </a:schemeClr>
               </a:solidFill>
-              <a:latin typeface="Arial" panose="020B0604020202020204" pitchFamily="34" charset="0"/>
-              <a:ea typeface="Arial" panose="020B0604020202020204" pitchFamily="34" charset="0"/>
+              <a:latin typeface="Arial" pitchFamily="34" charset="0"/>
+              <a:ea typeface="Arial" pitchFamily="34" charset="0"/>
               <a:sym typeface="+mn-ea"/>
             </a:endParaRPr>
           </a:p>
@@ -9177,8 +9170,8 @@
                     <a:lumMod val="75000"/>
                   </a:schemeClr>
                 </a:solidFill>
-                <a:latin typeface="Arial" panose="020B0604020202020204" pitchFamily="34" charset="0"/>
-                <a:ea typeface="Arial" panose="020B0604020202020204" pitchFamily="34" charset="0"/>
+                <a:latin typeface="Arial" pitchFamily="34" charset="0"/>
+                <a:ea typeface="Arial" pitchFamily="34" charset="0"/>
                 <a:sym typeface="+mn-ea"/>
               </a:rPr>
               <a:t>How to download </a:t>
@@ -9189,8 +9182,8 @@
                   <a:lumMod val="75000"/>
                 </a:schemeClr>
               </a:solidFill>
-              <a:latin typeface="Arial" panose="020B0604020202020204" pitchFamily="34" charset="0"/>
-              <a:ea typeface="Arial" panose="020B0604020202020204" pitchFamily="34" charset="0"/>
+              <a:latin typeface="Arial" pitchFamily="34" charset="0"/>
+              <a:ea typeface="Arial" pitchFamily="34" charset="0"/>
               <a:sym typeface="+mn-ea"/>
             </a:endParaRPr>
           </a:p>
@@ -9202,8 +9195,8 @@
                     <a:lumMod val="75000"/>
                   </a:schemeClr>
                 </a:solidFill>
-                <a:latin typeface="Arial" panose="020B0604020202020204" pitchFamily="34" charset="0"/>
-                <a:ea typeface="Arial" panose="020B0604020202020204" pitchFamily="34" charset="0"/>
+                <a:latin typeface="Arial" pitchFamily="34" charset="0"/>
+                <a:ea typeface="Arial" pitchFamily="34" charset="0"/>
                 <a:sym typeface="+mn-ea"/>
               </a:rPr>
               <a:t>micro:bit</a:t>
@@ -9215,8 +9208,8 @@
                     <a:lumMod val="75000"/>
                   </a:schemeClr>
                 </a:solidFill>
-                <a:latin typeface="Arial" panose="020B0604020202020204" pitchFamily="34" charset="0"/>
-                <a:ea typeface="Arial" panose="020B0604020202020204" pitchFamily="34" charset="0"/>
+                <a:latin typeface="Arial" pitchFamily="34" charset="0"/>
+                <a:ea typeface="Arial" pitchFamily="34" charset="0"/>
                 <a:sym typeface="+mn-ea"/>
               </a:rPr>
               <a:t> </a:t>
@@ -9228,8 +9221,8 @@
                     <a:lumMod val="75000"/>
                   </a:schemeClr>
                 </a:solidFill>
-                <a:latin typeface="Arial" panose="020B0604020202020204" pitchFamily="34" charset="0"/>
-                <a:ea typeface="Arial" panose="020B0604020202020204" pitchFamily="34" charset="0"/>
+                <a:latin typeface="Arial" pitchFamily="34" charset="0"/>
+                <a:ea typeface="Arial" pitchFamily="34" charset="0"/>
                 <a:sym typeface="+mn-ea"/>
               </a:rPr>
               <a:t>code?</a:t>
@@ -9240,8 +9233,8 @@
                   <a:lumMod val="75000"/>
                 </a:schemeClr>
               </a:solidFill>
-              <a:latin typeface="Arial" panose="020B0604020202020204" pitchFamily="34" charset="0"/>
-              <a:ea typeface="Arial" panose="020B0604020202020204" pitchFamily="34" charset="0"/>
+              <a:latin typeface="Arial" pitchFamily="34" charset="0"/>
+              <a:ea typeface="Arial" pitchFamily="34" charset="0"/>
               <a:sym typeface="+mn-ea"/>
             </a:endParaRPr>
           </a:p>
@@ -9273,8 +9266,8 @@
                 <a:solidFill>
                   <a:schemeClr val="bg1"/>
                 </a:solidFill>
-                <a:latin typeface="Arial" panose="020B0604020202020204" pitchFamily="34" charset="0"/>
-                <a:ea typeface="Arial" panose="020B0604020202020204" pitchFamily="34" charset="0"/>
+                <a:latin typeface="Arial" pitchFamily="34" charset="0"/>
+                <a:ea typeface="Arial" pitchFamily="34" charset="0"/>
               </a:rPr>
               <a:t>          </a:t>
             </a:r>
@@ -9283,8 +9276,8 @@
                 <a:solidFill>
                   <a:schemeClr val="bg1"/>
                 </a:solidFill>
-                <a:latin typeface="Arial" panose="020B0604020202020204" pitchFamily="34" charset="0"/>
-                <a:ea typeface="Arial" panose="020B0604020202020204" pitchFamily="34" charset="0"/>
+                <a:latin typeface="Arial" pitchFamily="34" charset="0"/>
+                <a:ea typeface="Arial" pitchFamily="34" charset="0"/>
               </a:rPr>
               <a:t>                         </a:t>
             </a:r>
@@ -9293,8 +9286,8 @@
                 <a:solidFill>
                   <a:schemeClr val="bg1"/>
                 </a:solidFill>
-                <a:latin typeface="Arial" panose="020B0604020202020204" pitchFamily="34" charset="0"/>
-                <a:ea typeface="Arial" panose="020B0604020202020204" pitchFamily="34" charset="0"/>
+                <a:latin typeface="Arial" pitchFamily="34" charset="0"/>
+                <a:ea typeface="Arial" pitchFamily="34" charset="0"/>
               </a:rPr>
               <a:t>micro:bit</a:t>
             </a:r>
@@ -9303,8 +9296,8 @@
                 <a:solidFill>
                   <a:schemeClr val="bg1"/>
                 </a:solidFill>
-                <a:latin typeface="Arial" panose="020B0604020202020204" pitchFamily="34" charset="0"/>
-                <a:ea typeface="Arial" panose="020B0604020202020204" pitchFamily="34" charset="0"/>
+                <a:latin typeface="Arial" pitchFamily="34" charset="0"/>
+                <a:ea typeface="Arial" pitchFamily="34" charset="0"/>
               </a:rPr>
               <a:t> module video tutorial</a:t>
             </a:r>
@@ -9313,21 +9306,21 @@
                 <a:solidFill>
                   <a:schemeClr val="bg1"/>
                 </a:solidFill>
-                <a:latin typeface="Arial" panose="020B0604020202020204" pitchFamily="34" charset="0"/>
-                <a:ea typeface="Arial" panose="020B0604020202020204" pitchFamily="34" charset="0"/>
+                <a:latin typeface="Arial" pitchFamily="34" charset="0"/>
+                <a:ea typeface="Arial" pitchFamily="34" charset="0"/>
               </a:rPr>
               <a:t> </a:t>
             </a:r>
             <a:r>
               <a:rPr lang="zh-CN" altLang="en-US" sz="2800" u="sng">
                 <a:latin typeface="icomoon" charset="0"/>
-                <a:ea typeface="Yu Gothic UI Semibold" panose="020B0700000000000000" charset="-128"/>
+                <a:ea typeface="Yu Gothic UI Semibold" charset="-128"/>
               </a:rPr>
               <a:t>                                </a:t>
             </a:r>
             <a:endParaRPr lang="zh-CN" altLang="en-US" sz="2800" u="sng">
               <a:latin typeface="icomoon" charset="0"/>
-              <a:ea typeface="Yu Gothic UI Semibold" panose="020B0700000000000000" charset="-128"/>
+              <a:ea typeface="Yu Gothic UI Semibold" charset="-128"/>
             </a:endParaRPr>
           </a:p>
         </p:txBody>
@@ -9727,8 +9720,8 @@
                 <a:solidFill>
                   <a:schemeClr val="bg1"/>
                 </a:solidFill>
-                <a:latin typeface="Arial" panose="020B0604020202020204" pitchFamily="34" charset="0"/>
-                <a:ea typeface="Arial" panose="020B0604020202020204" pitchFamily="34" charset="0"/>
+                <a:latin typeface="Arial" pitchFamily="34" charset="0"/>
+                <a:ea typeface="Arial" pitchFamily="34" charset="0"/>
                 <a:sym typeface="+mn-ea"/>
               </a:rPr>
               <a:t> </a:t>
@@ -9738,8 +9731,8 @@
                 <a:solidFill>
                   <a:schemeClr val="bg1"/>
                 </a:solidFill>
-                <a:latin typeface="Arial" panose="020B0604020202020204" pitchFamily="34" charset="0"/>
-                <a:ea typeface="Arial" panose="020B0604020202020204" pitchFamily="34" charset="0"/>
+                <a:latin typeface="Arial" pitchFamily="34" charset="0"/>
+                <a:ea typeface="Arial" pitchFamily="34" charset="0"/>
                 <a:sym typeface="+mn-ea"/>
               </a:rPr>
               <a:t>YahBoom     </a:t>
@@ -9749,8 +9742,8 @@
                 <a:solidFill>
                   <a:schemeClr val="bg1"/>
                 </a:solidFill>
-                <a:latin typeface="Arial" panose="020B0604020202020204" pitchFamily="34" charset="0"/>
-                <a:ea typeface="Arial" panose="020B0604020202020204" pitchFamily="34" charset="0"/>
+                <a:latin typeface="Arial" pitchFamily="34" charset="0"/>
+                <a:ea typeface="Arial" pitchFamily="34" charset="0"/>
                 <a:sym typeface="+mn-ea"/>
               </a:rPr>
               <a:t>micro:bit</a:t>
@@ -9760,8 +9753,8 @@
                 <a:solidFill>
                   <a:schemeClr val="bg1"/>
                 </a:solidFill>
-                <a:latin typeface="Arial" panose="020B0604020202020204" pitchFamily="34" charset="0"/>
-                <a:ea typeface="Arial" panose="020B0604020202020204" pitchFamily="34" charset="0"/>
+                <a:latin typeface="Arial" pitchFamily="34" charset="0"/>
+                <a:ea typeface="Arial" pitchFamily="34" charset="0"/>
                 <a:sym typeface="+mn-ea"/>
               </a:rPr>
               <a:t> video tutorial</a:t>
@@ -11169,8 +11162,8 @@
                 <a:solidFill>
                   <a:schemeClr val="bg1"/>
                 </a:solidFill>
-                <a:latin typeface="Arial" panose="020B0604020202020204" pitchFamily="34" charset="0"/>
-                <a:ea typeface="Arial" panose="020B0604020202020204" pitchFamily="34" charset="0"/>
+                <a:latin typeface="Arial" pitchFamily="34" charset="0"/>
+                <a:ea typeface="Arial" pitchFamily="34" charset="0"/>
               </a:rPr>
               <a:t>          </a:t>
             </a:r>
@@ -11179,8 +11172,8 @@
                 <a:solidFill>
                   <a:schemeClr val="bg1"/>
                 </a:solidFill>
-                <a:latin typeface="Arial" panose="020B0604020202020204" pitchFamily="34" charset="0"/>
-                <a:ea typeface="Arial" panose="020B0604020202020204" pitchFamily="34" charset="0"/>
+                <a:latin typeface="Arial" pitchFamily="34" charset="0"/>
+                <a:ea typeface="Arial" pitchFamily="34" charset="0"/>
               </a:rPr>
               <a:t>             </a:t>
             </a:r>
@@ -11189,8 +11182,8 @@
                 <a:solidFill>
                   <a:schemeClr val="bg1"/>
                 </a:solidFill>
-                <a:latin typeface="Arial" panose="020B0604020202020204" pitchFamily="34" charset="0"/>
-                <a:ea typeface="Arial" panose="020B0604020202020204" pitchFamily="34" charset="0"/>
+                <a:latin typeface="Arial" pitchFamily="34" charset="0"/>
+                <a:ea typeface="Arial" pitchFamily="34" charset="0"/>
               </a:rPr>
               <a:t>micro:bit</a:t>
             </a:r>
@@ -11199,8 +11192,8 @@
                 <a:solidFill>
                   <a:schemeClr val="bg1"/>
                 </a:solidFill>
-                <a:latin typeface="Arial" panose="020B0604020202020204" pitchFamily="34" charset="0"/>
-                <a:ea typeface="Arial" panose="020B0604020202020204" pitchFamily="34" charset="0"/>
+                <a:latin typeface="Arial" pitchFamily="34" charset="0"/>
+                <a:ea typeface="Arial" pitchFamily="34" charset="0"/>
               </a:rPr>
               <a:t> module video tutorial</a:t>
             </a:r>
@@ -11209,21 +11202,21 @@
                 <a:solidFill>
                   <a:schemeClr val="bg1"/>
                 </a:solidFill>
-                <a:latin typeface="Arial" panose="020B0604020202020204" pitchFamily="34" charset="0"/>
-                <a:ea typeface="Arial" panose="020B0604020202020204" pitchFamily="34" charset="0"/>
+                <a:latin typeface="Arial" pitchFamily="34" charset="0"/>
+                <a:ea typeface="Arial" pitchFamily="34" charset="0"/>
               </a:rPr>
               <a:t> </a:t>
             </a:r>
             <a:r>
               <a:rPr lang="zh-CN" altLang="en-US" sz="2800" u="sng">
                 <a:latin typeface="icomoon" charset="0"/>
-                <a:ea typeface="Yu Gothic UI Semibold" panose="020B0700000000000000" charset="-128"/>
+                <a:ea typeface="Yu Gothic UI Semibold" charset="-128"/>
               </a:rPr>
               <a:t>                                </a:t>
             </a:r>
             <a:endParaRPr lang="zh-CN" altLang="en-US" sz="2800" u="sng">
               <a:latin typeface="icomoon" charset="0"/>
-              <a:ea typeface="Yu Gothic UI Semibold" panose="020B0700000000000000" charset="-128"/>
+              <a:ea typeface="Yu Gothic UI Semibold" charset="-128"/>
             </a:endParaRPr>
           </a:p>
         </p:txBody>
@@ -11623,8 +11616,8 @@
                 <a:solidFill>
                   <a:schemeClr val="bg1"/>
                 </a:solidFill>
-                <a:latin typeface="Arial" panose="020B0604020202020204" pitchFamily="34" charset="0"/>
-                <a:ea typeface="Arial" panose="020B0604020202020204" pitchFamily="34" charset="0"/>
+                <a:latin typeface="Arial" pitchFamily="34" charset="0"/>
+                <a:ea typeface="Arial" pitchFamily="34" charset="0"/>
                 <a:sym typeface="+mn-ea"/>
               </a:rPr>
               <a:t> </a:t>
@@ -11634,8 +11627,8 @@
                 <a:solidFill>
                   <a:schemeClr val="bg1"/>
                 </a:solidFill>
-                <a:latin typeface="Arial" panose="020B0604020202020204" pitchFamily="34" charset="0"/>
-                <a:ea typeface="Arial" panose="020B0604020202020204" pitchFamily="34" charset="0"/>
+                <a:latin typeface="Arial" pitchFamily="34" charset="0"/>
+                <a:ea typeface="Arial" pitchFamily="34" charset="0"/>
                 <a:sym typeface="+mn-ea"/>
               </a:rPr>
               <a:t>YahBoom     </a:t>
@@ -11645,8 +11638,8 @@
                 <a:solidFill>
                   <a:schemeClr val="bg1"/>
                 </a:solidFill>
-                <a:latin typeface="Arial" panose="020B0604020202020204" pitchFamily="34" charset="0"/>
-                <a:ea typeface="Arial" panose="020B0604020202020204" pitchFamily="34" charset="0"/>
+                <a:latin typeface="Arial" pitchFamily="34" charset="0"/>
+                <a:ea typeface="Arial" pitchFamily="34" charset="0"/>
                 <a:sym typeface="+mn-ea"/>
               </a:rPr>
               <a:t>Micro:bit</a:t>
@@ -11656,8 +11649,8 @@
                 <a:solidFill>
                   <a:schemeClr val="bg1"/>
                 </a:solidFill>
-                <a:latin typeface="Arial" panose="020B0604020202020204" pitchFamily="34" charset="0"/>
-                <a:ea typeface="Arial" panose="020B0604020202020204" pitchFamily="34" charset="0"/>
+                <a:latin typeface="Arial" pitchFamily="34" charset="0"/>
+                <a:ea typeface="Arial" pitchFamily="34" charset="0"/>
                 <a:sym typeface="+mn-ea"/>
               </a:rPr>
               <a:t> video tutorial</a:t>
@@ -11718,8 +11711,8 @@
                     <a:lumMod val="75000"/>
                   </a:schemeClr>
                 </a:solidFill>
-                <a:latin typeface="Arial" panose="020B0604020202020204" pitchFamily="34" charset="0"/>
-                <a:ea typeface="Arial" panose="020B0604020202020204" pitchFamily="34" charset="0"/>
+                <a:latin typeface="Arial" pitchFamily="34" charset="0"/>
+                <a:ea typeface="Arial" pitchFamily="34" charset="0"/>
               </a:rPr>
               <a:t>Powered by  </a:t>
             </a:r>
@@ -11730,8 +11723,8 @@
                     <a:lumMod val="75000"/>
                   </a:schemeClr>
                 </a:solidFill>
-                <a:latin typeface="Arial" panose="020B0604020202020204" pitchFamily="34" charset="0"/>
-                <a:ea typeface="Arial" panose="020B0604020202020204" pitchFamily="34" charset="0"/>
+                <a:latin typeface="Arial" pitchFamily="34" charset="0"/>
+                <a:ea typeface="Arial" pitchFamily="34" charset="0"/>
               </a:rPr>
               <a:t>YahBoom</a:t>
             </a:r>
@@ -11741,8 +11734,8 @@
                   <a:lumMod val="75000"/>
                 </a:schemeClr>
               </a:solidFill>
-              <a:latin typeface="Arial" panose="020B0604020202020204" pitchFamily="34" charset="0"/>
-              <a:ea typeface="Arial" panose="020B0604020202020204" pitchFamily="34" charset="0"/>
+              <a:latin typeface="Arial" pitchFamily="34" charset="0"/>
+              <a:ea typeface="Arial" pitchFamily="34" charset="0"/>
             </a:endParaRPr>
           </a:p>
         </p:txBody>
@@ -11776,8 +11769,8 @@
                     <a:lumMod val="75000"/>
                   </a:schemeClr>
                 </a:solidFill>
-                <a:latin typeface="Arial" panose="020B0604020202020204" pitchFamily="34" charset="0"/>
-                <a:ea typeface="Arial" panose="020B0604020202020204" pitchFamily="34" charset="0"/>
+                <a:latin typeface="Arial" pitchFamily="34" charset="0"/>
+                <a:ea typeface="Arial" pitchFamily="34" charset="0"/>
               </a:rPr>
               <a:t>micro:bit</a:t>
             </a:r>
@@ -11787,8 +11780,8 @@
                   <a:lumMod val="75000"/>
                 </a:schemeClr>
               </a:solidFill>
-              <a:latin typeface="Arial" panose="020B0604020202020204" pitchFamily="34" charset="0"/>
-              <a:ea typeface="Arial" panose="020B0604020202020204" pitchFamily="34" charset="0"/>
+              <a:latin typeface="Arial" pitchFamily="34" charset="0"/>
+              <a:ea typeface="Arial" pitchFamily="34" charset="0"/>
             </a:endParaRPr>
           </a:p>
           <a:p>
@@ -11800,8 +11793,8 @@
                     <a:lumMod val="75000"/>
                   </a:schemeClr>
                 </a:solidFill>
-                <a:latin typeface="Arial" panose="020B0604020202020204" pitchFamily="34" charset="0"/>
-                <a:ea typeface="Arial" panose="020B0604020202020204" pitchFamily="34" charset="0"/>
+                <a:latin typeface="Arial" pitchFamily="34" charset="0"/>
+                <a:ea typeface="Arial" pitchFamily="34" charset="0"/>
               </a:rPr>
               <a:t>project </a:t>
             </a:r>
@@ -11811,8 +11804,8 @@
                   <a:lumMod val="75000"/>
                 </a:schemeClr>
               </a:solidFill>
-              <a:latin typeface="Arial" panose="020B0604020202020204" pitchFamily="34" charset="0"/>
-              <a:ea typeface="Arial" panose="020B0604020202020204" pitchFamily="34" charset="0"/>
+              <a:latin typeface="Arial" pitchFamily="34" charset="0"/>
+              <a:ea typeface="Arial" pitchFamily="34" charset="0"/>
             </a:endParaRPr>
           </a:p>
         </p:txBody>
@@ -11846,8 +11839,8 @@
                     <a:lumMod val="75000"/>
                   </a:schemeClr>
                 </a:solidFill>
-                <a:latin typeface="Arial" panose="020B0604020202020204" pitchFamily="34" charset="0"/>
-                <a:ea typeface="Arial" panose="020B0604020202020204" pitchFamily="34" charset="0"/>
+                <a:latin typeface="Arial" pitchFamily="34" charset="0"/>
+                <a:ea typeface="Arial" pitchFamily="34" charset="0"/>
               </a:rPr>
               <a:t>Thanks for watching！</a:t>
             </a:r>
@@ -11857,8 +11850,8 @@
                   <a:lumMod val="75000"/>
                 </a:schemeClr>
               </a:solidFill>
-              <a:latin typeface="Arial" panose="020B0604020202020204" pitchFamily="34" charset="0"/>
-              <a:ea typeface="Arial" panose="020B0604020202020204" pitchFamily="34" charset="0"/>
+              <a:latin typeface="Arial" pitchFamily="34" charset="0"/>
+              <a:ea typeface="Arial" pitchFamily="34" charset="0"/>
             </a:endParaRPr>
           </a:p>
         </p:txBody>
@@ -13361,22 +13354,22 @@
                   <a:solidFill>
                     <a:schemeClr val="tx1"/>
                   </a:solidFill>
-                  <a:latin typeface="Arial" panose="020B0604020202020204" pitchFamily="34" charset="0"/>
-                  <a:ea typeface="Arial" panose="020B0604020202020204" pitchFamily="34" charset="0"/>
+                  <a:latin typeface="Arial" pitchFamily="34" charset="0"/>
+                  <a:ea typeface="Arial" pitchFamily="34" charset="0"/>
                   <a:sym typeface="+mn-ea"/>
                 </a:rPr>
                 <a:t>Part</a:t>
               </a:r>
               <a:r>
                 <a:rPr lang="en-US" altLang="zh-CN" dirty="0" smtClean="0">
-                  <a:latin typeface="Arial" panose="020B0604020202020204" pitchFamily="34" charset="0"/>
-                  <a:ea typeface="Arial" panose="020B0604020202020204" pitchFamily="34" charset="0"/>
+                  <a:latin typeface="Arial" pitchFamily="34" charset="0"/>
+                  <a:ea typeface="Arial" pitchFamily="34" charset="0"/>
                 </a:rPr>
                 <a:t> 1</a:t>
               </a:r>
               <a:endParaRPr lang="zh-CN" altLang="en-US" dirty="0">
-                <a:latin typeface="Arial" panose="020B0604020202020204" pitchFamily="34" charset="0"/>
-                <a:ea typeface="Arial" panose="020B0604020202020204" pitchFamily="34" charset="0"/>
+                <a:latin typeface="Arial" pitchFamily="34" charset="0"/>
+                <a:ea typeface="Arial" pitchFamily="34" charset="0"/>
               </a:endParaRPr>
             </a:p>
           </p:txBody>
@@ -13411,8 +13404,8 @@
                       <a:lumMod val="75000"/>
                     </a:schemeClr>
                   </a:solidFill>
-                  <a:latin typeface="Arial" panose="020B0604020202020204" pitchFamily="34" charset="0"/>
-                  <a:ea typeface="Arial" panose="020B0604020202020204" pitchFamily="34" charset="0"/>
+                  <a:latin typeface="Arial" pitchFamily="34" charset="0"/>
+                  <a:ea typeface="Arial" pitchFamily="34" charset="0"/>
                   <a:hlinkClick r:id="rId2" action="ppaction://hlinksldjump"/>
                 </a:rPr>
                 <a:t>micro:bit introduce</a:t>
@@ -13423,8 +13416,8 @@
                     <a:lumMod val="75000"/>
                   </a:schemeClr>
                 </a:solidFill>
-                <a:latin typeface="Arial" panose="020B0604020202020204" pitchFamily="34" charset="0"/>
-                <a:ea typeface="Arial" panose="020B0604020202020204" pitchFamily="34" charset="0"/>
+                <a:latin typeface="Arial" pitchFamily="34" charset="0"/>
+                <a:ea typeface="Arial" pitchFamily="34" charset="0"/>
               </a:endParaRPr>
             </a:p>
           </p:txBody>
@@ -13462,22 +13455,22 @@
                   <a:solidFill>
                     <a:schemeClr val="tx1"/>
                   </a:solidFill>
-                  <a:latin typeface="Arial" panose="020B0604020202020204" pitchFamily="34" charset="0"/>
-                  <a:ea typeface="Arial" panose="020B0604020202020204" pitchFamily="34" charset="0"/>
+                  <a:latin typeface="Arial" pitchFamily="34" charset="0"/>
+                  <a:ea typeface="Arial" pitchFamily="34" charset="0"/>
                   <a:sym typeface="+mn-ea"/>
                 </a:rPr>
                 <a:t>Part</a:t>
               </a:r>
               <a:r>
                 <a:rPr lang="en-US" altLang="zh-CN" dirty="0" smtClean="0">
-                  <a:latin typeface="Arial" panose="020B0604020202020204" pitchFamily="34" charset="0"/>
-                  <a:ea typeface="Arial" panose="020B0604020202020204" pitchFamily="34" charset="0"/>
+                  <a:latin typeface="Arial" pitchFamily="34" charset="0"/>
+                  <a:ea typeface="Arial" pitchFamily="34" charset="0"/>
                 </a:rPr>
                 <a:t> 2</a:t>
               </a:r>
               <a:endParaRPr lang="zh-CN" altLang="en-US" dirty="0">
-                <a:latin typeface="Arial" panose="020B0604020202020204" pitchFamily="34" charset="0"/>
-                <a:ea typeface="Arial" panose="020B0604020202020204" pitchFamily="34" charset="0"/>
+                <a:latin typeface="Arial" pitchFamily="34" charset="0"/>
+                <a:ea typeface="Arial" pitchFamily="34" charset="0"/>
               </a:endParaRPr>
             </a:p>
           </p:txBody>
@@ -13512,8 +13505,8 @@
                       <a:lumMod val="75000"/>
                     </a:schemeClr>
                   </a:solidFill>
-                  <a:latin typeface="Arial" panose="020B0604020202020204" pitchFamily="34" charset="0"/>
-                  <a:ea typeface="Arial" panose="020B0604020202020204" pitchFamily="34" charset="0"/>
+                  <a:latin typeface="Arial" pitchFamily="34" charset="0"/>
+                  <a:ea typeface="Arial" pitchFamily="34" charset="0"/>
                   <a:hlinkClick r:id="rId3" action="ppaction://hlinksldjump"/>
                 </a:rPr>
                 <a:t>Open programming web</a:t>
@@ -13524,8 +13517,8 @@
                     <a:lumMod val="75000"/>
                   </a:schemeClr>
                 </a:solidFill>
-                <a:latin typeface="Arial" panose="020B0604020202020204" pitchFamily="34" charset="0"/>
-                <a:ea typeface="Arial" panose="020B0604020202020204" pitchFamily="34" charset="0"/>
+                <a:latin typeface="Arial" pitchFamily="34" charset="0"/>
+                <a:ea typeface="Arial" pitchFamily="34" charset="0"/>
                 <a:hlinkClick r:id="rId3" action="ppaction://hlinksldjump"/>
               </a:endParaRPr>
             </a:p>
@@ -13564,22 +13557,22 @@
                   <a:solidFill>
                     <a:schemeClr val="tx1"/>
                   </a:solidFill>
-                  <a:latin typeface="Arial" panose="020B0604020202020204" pitchFamily="34" charset="0"/>
-                  <a:ea typeface="Arial" panose="020B0604020202020204" pitchFamily="34" charset="0"/>
+                  <a:latin typeface="Arial" pitchFamily="34" charset="0"/>
+                  <a:ea typeface="Arial" pitchFamily="34" charset="0"/>
                   <a:sym typeface="+mn-ea"/>
                 </a:rPr>
                 <a:t>Part </a:t>
               </a:r>
               <a:r>
                 <a:rPr lang="en-US" altLang="zh-CN" dirty="0" smtClean="0">
-                  <a:latin typeface="Arial" panose="020B0604020202020204" pitchFamily="34" charset="0"/>
-                  <a:ea typeface="Arial" panose="020B0604020202020204" pitchFamily="34" charset="0"/>
+                  <a:latin typeface="Arial" pitchFamily="34" charset="0"/>
+                  <a:ea typeface="Arial" pitchFamily="34" charset="0"/>
                 </a:rPr>
                 <a:t>3</a:t>
               </a:r>
               <a:endParaRPr lang="zh-CN" altLang="en-US" dirty="0">
-                <a:latin typeface="Arial" panose="020B0604020202020204" pitchFamily="34" charset="0"/>
-                <a:ea typeface="Arial" panose="020B0604020202020204" pitchFamily="34" charset="0"/>
+                <a:latin typeface="Arial" pitchFamily="34" charset="0"/>
+                <a:ea typeface="Arial" pitchFamily="34" charset="0"/>
               </a:endParaRPr>
             </a:p>
           </p:txBody>
@@ -13613,8 +13606,8 @@
                       <a:lumMod val="75000"/>
                     </a:schemeClr>
                   </a:solidFill>
-                  <a:latin typeface="Arial" panose="020B0604020202020204" pitchFamily="34" charset="0"/>
-                  <a:ea typeface="Arial" panose="020B0604020202020204" pitchFamily="34" charset="0"/>
+                  <a:latin typeface="Arial" pitchFamily="34" charset="0"/>
+                  <a:ea typeface="Arial" pitchFamily="34" charset="0"/>
                   <a:hlinkClick r:id="rId4" action="ppaction://hlinksldjump"/>
                 </a:rPr>
                 <a:t>Add YahBoom extension </a:t>
@@ -13625,8 +13618,8 @@
                     <a:lumMod val="75000"/>
                   </a:schemeClr>
                 </a:solidFill>
-                <a:latin typeface="Arial" panose="020B0604020202020204" pitchFamily="34" charset="0"/>
-                <a:ea typeface="Arial" panose="020B0604020202020204" pitchFamily="34" charset="0"/>
+                <a:latin typeface="Arial" pitchFamily="34" charset="0"/>
+                <a:ea typeface="Arial" pitchFamily="34" charset="0"/>
                 <a:hlinkClick r:id="rId4" action="ppaction://hlinksldjump"/>
               </a:endParaRPr>
             </a:p>
@@ -13665,22 +13658,22 @@
                   <a:solidFill>
                     <a:schemeClr val="tx1"/>
                   </a:solidFill>
-                  <a:latin typeface="Arial" panose="020B0604020202020204" pitchFamily="34" charset="0"/>
-                  <a:ea typeface="Arial" panose="020B0604020202020204" pitchFamily="34" charset="0"/>
+                  <a:latin typeface="Arial" pitchFamily="34" charset="0"/>
+                  <a:ea typeface="Arial" pitchFamily="34" charset="0"/>
                   <a:sym typeface="+mn-ea"/>
                 </a:rPr>
                 <a:t>Part </a:t>
               </a:r>
               <a:r>
                 <a:rPr lang="en-US" altLang="zh-CN" dirty="0" smtClean="0">
-                  <a:latin typeface="Arial" panose="020B0604020202020204" pitchFamily="34" charset="0"/>
-                  <a:ea typeface="Arial" panose="020B0604020202020204" pitchFamily="34" charset="0"/>
+                  <a:latin typeface="Arial" pitchFamily="34" charset="0"/>
+                  <a:ea typeface="Arial" pitchFamily="34" charset="0"/>
                 </a:rPr>
                 <a:t>4</a:t>
               </a:r>
               <a:endParaRPr lang="zh-CN" altLang="en-US" dirty="0">
-                <a:latin typeface="Arial" panose="020B0604020202020204" pitchFamily="34" charset="0"/>
-                <a:ea typeface="Arial" panose="020B0604020202020204" pitchFamily="34" charset="0"/>
+                <a:latin typeface="Arial" pitchFamily="34" charset="0"/>
+                <a:ea typeface="Arial" pitchFamily="34" charset="0"/>
               </a:endParaRPr>
             </a:p>
           </p:txBody>
@@ -13714,8 +13707,8 @@
                       <a:lumMod val="75000"/>
                     </a:schemeClr>
                   </a:solidFill>
-                  <a:latin typeface="Arial" panose="020B0604020202020204" pitchFamily="34" charset="0"/>
-                  <a:ea typeface="Arial" panose="020B0604020202020204" pitchFamily="34" charset="0"/>
+                  <a:latin typeface="Arial" pitchFamily="34" charset="0"/>
+                  <a:ea typeface="Arial" pitchFamily="34" charset="0"/>
                   <a:hlinkClick r:id="rId5" action="ppaction://hlinksldjump"/>
                 </a:rPr>
                 <a:t>Downtown </a:t>
@@ -13726,8 +13719,8 @@
                     <a:lumMod val="75000"/>
                   </a:schemeClr>
                 </a:solidFill>
-                <a:latin typeface="Arial" panose="020B0604020202020204" pitchFamily="34" charset="0"/>
-                <a:ea typeface="Arial" panose="020B0604020202020204" pitchFamily="34" charset="0"/>
+                <a:latin typeface="Arial" pitchFamily="34" charset="0"/>
+                <a:ea typeface="Arial" pitchFamily="34" charset="0"/>
                 <a:hlinkClick r:id="rId5" action="ppaction://hlinksldjump"/>
               </a:endParaRPr>
             </a:p>
@@ -13760,8 +13753,8 @@
                 <a:solidFill>
                   <a:schemeClr val="bg1"/>
                 </a:solidFill>
-                <a:latin typeface="Arial" panose="020B0604020202020204" pitchFamily="34" charset="0"/>
-                <a:ea typeface="Arial" panose="020B0604020202020204" pitchFamily="34" charset="0"/>
+                <a:latin typeface="Arial" pitchFamily="34" charset="0"/>
+                <a:ea typeface="Arial" pitchFamily="34" charset="0"/>
               </a:rPr>
               <a:t>      </a:t>
             </a:r>
@@ -13770,8 +13763,8 @@
                 <a:solidFill>
                   <a:schemeClr val="bg1"/>
                 </a:solidFill>
-                <a:latin typeface="Arial" panose="020B0604020202020204" pitchFamily="34" charset="0"/>
-                <a:ea typeface="Arial" panose="020B0604020202020204" pitchFamily="34" charset="0"/>
+                <a:latin typeface="Arial" pitchFamily="34" charset="0"/>
+                <a:ea typeface="Arial" pitchFamily="34" charset="0"/>
               </a:rPr>
               <a:t>                         </a:t>
             </a:r>
@@ -13780,8 +13773,8 @@
                 <a:solidFill>
                   <a:schemeClr val="bg1"/>
                 </a:solidFill>
-                <a:latin typeface="Arial" panose="020B0604020202020204" pitchFamily="34" charset="0"/>
-                <a:ea typeface="Arial" panose="020B0604020202020204" pitchFamily="34" charset="0"/>
+                <a:latin typeface="Arial" pitchFamily="34" charset="0"/>
+                <a:ea typeface="Arial" pitchFamily="34" charset="0"/>
               </a:rPr>
               <a:t>micro:bit</a:t>
             </a:r>
@@ -13790,8 +13783,8 @@
                 <a:solidFill>
                   <a:schemeClr val="bg1"/>
                 </a:solidFill>
-                <a:latin typeface="Arial" panose="020B0604020202020204" pitchFamily="34" charset="0"/>
-                <a:ea typeface="Arial" panose="020B0604020202020204" pitchFamily="34" charset="0"/>
+                <a:latin typeface="Arial" pitchFamily="34" charset="0"/>
+                <a:ea typeface="Arial" pitchFamily="34" charset="0"/>
               </a:rPr>
               <a:t> module video tutorial</a:t>
             </a:r>
@@ -13800,21 +13793,21 @@
                 <a:solidFill>
                   <a:schemeClr val="bg1"/>
                 </a:solidFill>
-                <a:latin typeface="Arial" panose="020B0604020202020204" pitchFamily="34" charset="0"/>
-                <a:ea typeface="Arial" panose="020B0604020202020204" pitchFamily="34" charset="0"/>
+                <a:latin typeface="Arial" pitchFamily="34" charset="0"/>
+                <a:ea typeface="Arial" pitchFamily="34" charset="0"/>
               </a:rPr>
               <a:t> </a:t>
             </a:r>
             <a:r>
               <a:rPr lang="zh-CN" altLang="en-US" sz="2800" u="sng">
                 <a:latin typeface="icomoon" charset="0"/>
-                <a:ea typeface="Yu Gothic UI Semibold" panose="020B0700000000000000" charset="-128"/>
+                <a:ea typeface="Yu Gothic UI Semibold" charset="-128"/>
               </a:rPr>
               <a:t>                                </a:t>
             </a:r>
             <a:endParaRPr lang="zh-CN" altLang="en-US" sz="2800" u="sng">
               <a:latin typeface="icomoon" charset="0"/>
-              <a:ea typeface="Yu Gothic UI Semibold" panose="020B0700000000000000" charset="-128"/>
+              <a:ea typeface="Yu Gothic UI Semibold" charset="-128"/>
             </a:endParaRPr>
           </a:p>
         </p:txBody>
@@ -14214,8 +14207,8 @@
                 <a:solidFill>
                   <a:schemeClr val="bg1"/>
                 </a:solidFill>
-                <a:latin typeface="Arial" panose="020B0604020202020204" pitchFamily="34" charset="0"/>
-                <a:ea typeface="Arial" panose="020B0604020202020204" pitchFamily="34" charset="0"/>
+                <a:latin typeface="Arial" pitchFamily="34" charset="0"/>
+                <a:ea typeface="Arial" pitchFamily="34" charset="0"/>
                 <a:sym typeface="+mn-ea"/>
               </a:rPr>
               <a:t> </a:t>
@@ -14225,8 +14218,8 @@
                 <a:solidFill>
                   <a:schemeClr val="bg1"/>
                 </a:solidFill>
-                <a:latin typeface="Arial" panose="020B0604020202020204" pitchFamily="34" charset="0"/>
-                <a:ea typeface="Arial" panose="020B0604020202020204" pitchFamily="34" charset="0"/>
+                <a:latin typeface="Arial" pitchFamily="34" charset="0"/>
+                <a:ea typeface="Arial" pitchFamily="34" charset="0"/>
                 <a:sym typeface="+mn-ea"/>
               </a:rPr>
               <a:t>YahBoom     </a:t>
@@ -14236,8 +14229,8 @@
                 <a:solidFill>
                   <a:schemeClr val="bg1"/>
                 </a:solidFill>
-                <a:latin typeface="Arial" panose="020B0604020202020204" pitchFamily="34" charset="0"/>
-                <a:ea typeface="Arial" panose="020B0604020202020204" pitchFamily="34" charset="0"/>
+                <a:latin typeface="Arial" pitchFamily="34" charset="0"/>
+                <a:ea typeface="Arial" pitchFamily="34" charset="0"/>
                 <a:sym typeface="+mn-ea"/>
               </a:rPr>
               <a:t>Micro:bit</a:t>
@@ -14247,8 +14240,8 @@
                 <a:solidFill>
                   <a:schemeClr val="bg1"/>
                 </a:solidFill>
-                <a:latin typeface="Arial" panose="020B0604020202020204" pitchFamily="34" charset="0"/>
-                <a:ea typeface="Arial" panose="020B0604020202020204" pitchFamily="34" charset="0"/>
+                <a:latin typeface="Arial" pitchFamily="34" charset="0"/>
+                <a:ea typeface="Arial" pitchFamily="34" charset="0"/>
                 <a:sym typeface="+mn-ea"/>
               </a:rPr>
               <a:t> video tutorial</a:t>
@@ -14310,8 +14303,8 @@
                     <a:lumMod val="75000"/>
                   </a:schemeClr>
                 </a:solidFill>
-                <a:latin typeface="Arial" panose="020B0604020202020204" pitchFamily="34" charset="0"/>
-                <a:ea typeface="Arial" panose="020B0604020202020204" pitchFamily="34" charset="0"/>
+                <a:latin typeface="Arial" pitchFamily="34" charset="0"/>
+                <a:ea typeface="Arial" pitchFamily="34" charset="0"/>
               </a:rPr>
               <a:t>C</a:t>
             </a:r>
@@ -14322,8 +14315,8 @@
                     <a:lumMod val="75000"/>
                   </a:schemeClr>
                 </a:solidFill>
-                <a:latin typeface="Arial" panose="020B0604020202020204" pitchFamily="34" charset="0"/>
-                <a:ea typeface="Arial" panose="020B0604020202020204" pitchFamily="34" charset="0"/>
+                <a:latin typeface="Arial" pitchFamily="34" charset="0"/>
+                <a:ea typeface="Arial" pitchFamily="34" charset="0"/>
               </a:rPr>
               <a:t>ontent</a:t>
             </a:r>
@@ -14333,8 +14326,8 @@
                   <a:lumMod val="75000"/>
                 </a:schemeClr>
               </a:solidFill>
-              <a:latin typeface="Arial" panose="020B0604020202020204" pitchFamily="34" charset="0"/>
-              <a:ea typeface="Arial" panose="020B0604020202020204" pitchFamily="34" charset="0"/>
+              <a:latin typeface="Arial" pitchFamily="34" charset="0"/>
+              <a:ea typeface="Arial" pitchFamily="34" charset="0"/>
             </a:endParaRPr>
           </a:p>
         </p:txBody>
@@ -14393,8 +14386,8 @@
                 <a:solidFill>
                   <a:schemeClr val="bg1"/>
                 </a:solidFill>
-                <a:latin typeface="Arial" panose="020B0604020202020204" pitchFamily="34" charset="0"/>
-                <a:ea typeface="Arial" panose="020B0604020202020204" pitchFamily="34" charset="0"/>
+                <a:latin typeface="Arial" pitchFamily="34" charset="0"/>
+                <a:ea typeface="Arial" pitchFamily="34" charset="0"/>
               </a:rPr>
               <a:t>          </a:t>
             </a:r>
@@ -14403,8 +14396,8 @@
                 <a:solidFill>
                   <a:schemeClr val="bg1"/>
                 </a:solidFill>
-                <a:latin typeface="Arial" panose="020B0604020202020204" pitchFamily="34" charset="0"/>
-                <a:ea typeface="Arial" panose="020B0604020202020204" pitchFamily="34" charset="0"/>
+                <a:latin typeface="Arial" pitchFamily="34" charset="0"/>
+                <a:ea typeface="Arial" pitchFamily="34" charset="0"/>
               </a:rPr>
               <a:t>                    </a:t>
             </a:r>
@@ -14413,8 +14406,8 @@
                 <a:solidFill>
                   <a:schemeClr val="bg1"/>
                 </a:solidFill>
-                <a:latin typeface="Arial" panose="020B0604020202020204" pitchFamily="34" charset="0"/>
-                <a:ea typeface="Arial" panose="020B0604020202020204" pitchFamily="34" charset="0"/>
+                <a:latin typeface="Arial" pitchFamily="34" charset="0"/>
+                <a:ea typeface="Arial" pitchFamily="34" charset="0"/>
               </a:rPr>
               <a:t>micro:bit</a:t>
             </a:r>
@@ -14423,8 +14416,8 @@
                 <a:solidFill>
                   <a:schemeClr val="bg1"/>
                 </a:solidFill>
-                <a:latin typeface="Arial" panose="020B0604020202020204" pitchFamily="34" charset="0"/>
-                <a:ea typeface="Arial" panose="020B0604020202020204" pitchFamily="34" charset="0"/>
+                <a:latin typeface="Arial" pitchFamily="34" charset="0"/>
+                <a:ea typeface="Arial" pitchFamily="34" charset="0"/>
               </a:rPr>
               <a:t> module video tutorial</a:t>
             </a:r>
@@ -14433,21 +14426,21 @@
                 <a:solidFill>
                   <a:schemeClr val="bg1"/>
                 </a:solidFill>
-                <a:latin typeface="Arial" panose="020B0604020202020204" pitchFamily="34" charset="0"/>
-                <a:ea typeface="Arial" panose="020B0604020202020204" pitchFamily="34" charset="0"/>
+                <a:latin typeface="Arial" pitchFamily="34" charset="0"/>
+                <a:ea typeface="Arial" pitchFamily="34" charset="0"/>
               </a:rPr>
               <a:t> </a:t>
             </a:r>
             <a:r>
               <a:rPr lang="zh-CN" altLang="en-US" sz="2800" u="sng">
                 <a:latin typeface="icomoon" charset="0"/>
-                <a:ea typeface="Yu Gothic UI Semibold" panose="020B0700000000000000" charset="-128"/>
+                <a:ea typeface="Yu Gothic UI Semibold" charset="-128"/>
               </a:rPr>
               <a:t>                                </a:t>
             </a:r>
             <a:endParaRPr lang="zh-CN" altLang="en-US" sz="2800" u="sng">
               <a:latin typeface="icomoon" charset="0"/>
-              <a:ea typeface="Yu Gothic UI Semibold" panose="020B0700000000000000" charset="-128"/>
+              <a:ea typeface="Yu Gothic UI Semibold" charset="-128"/>
             </a:endParaRPr>
           </a:p>
         </p:txBody>
@@ -14847,8 +14840,8 @@
                 <a:solidFill>
                   <a:schemeClr val="bg1"/>
                 </a:solidFill>
-                <a:latin typeface="Arial" panose="020B0604020202020204" pitchFamily="34" charset="0"/>
-                <a:ea typeface="Arial" panose="020B0604020202020204" pitchFamily="34" charset="0"/>
+                <a:latin typeface="Arial" pitchFamily="34" charset="0"/>
+                <a:ea typeface="Arial" pitchFamily="34" charset="0"/>
                 <a:sym typeface="+mn-ea"/>
               </a:rPr>
               <a:t> </a:t>
@@ -14858,8 +14851,8 @@
                 <a:solidFill>
                   <a:schemeClr val="bg1"/>
                 </a:solidFill>
-                <a:latin typeface="Arial" panose="020B0604020202020204" pitchFamily="34" charset="0"/>
-                <a:ea typeface="Arial" panose="020B0604020202020204" pitchFamily="34" charset="0"/>
+                <a:latin typeface="Arial" pitchFamily="34" charset="0"/>
+                <a:ea typeface="Arial" pitchFamily="34" charset="0"/>
                 <a:sym typeface="+mn-ea"/>
               </a:rPr>
               <a:t>YahBoom     </a:t>
@@ -14869,8 +14862,8 @@
                 <a:solidFill>
                   <a:schemeClr val="bg1"/>
                 </a:solidFill>
-                <a:latin typeface="Arial" panose="020B0604020202020204" pitchFamily="34" charset="0"/>
-                <a:ea typeface="Arial" panose="020B0604020202020204" pitchFamily="34" charset="0"/>
+                <a:latin typeface="Arial" pitchFamily="34" charset="0"/>
+                <a:ea typeface="Arial" pitchFamily="34" charset="0"/>
                 <a:sym typeface="+mn-ea"/>
               </a:rPr>
               <a:t>micro:bit</a:t>
@@ -14880,8 +14873,8 @@
                 <a:solidFill>
                   <a:schemeClr val="bg1"/>
                 </a:solidFill>
-                <a:latin typeface="Arial" panose="020B0604020202020204" pitchFamily="34" charset="0"/>
-                <a:ea typeface="Arial" panose="020B0604020202020204" pitchFamily="34" charset="0"/>
+                <a:latin typeface="Arial" pitchFamily="34" charset="0"/>
+                <a:ea typeface="Arial" pitchFamily="34" charset="0"/>
                 <a:sym typeface="+mn-ea"/>
               </a:rPr>
               <a:t> video tutorial</a:t>
@@ -15009,8 +15002,8 @@
                     </a:srgbClr>
                   </a:outerShdw>
                 </a:effectLst>
-                <a:latin typeface="微软雅黑 Light" panose="020B0502040204020203" charset="-122"/>
-                <a:ea typeface="微软雅黑 Light" panose="020B0502040204020203" charset="-122"/>
+                <a:latin typeface="微软雅黑 Light" charset="-122"/>
+                <a:ea typeface="微软雅黑 Light" charset="-122"/>
               </a:endParaRPr>
             </a:p>
           </p:txBody>
@@ -15242,15 +15235,15 @@
                     <a:lumMod val="75000"/>
                   </a:schemeClr>
                 </a:solidFill>
-                <a:latin typeface="Arial" panose="020B0604020202020204" pitchFamily="34" charset="0"/>
-                <a:ea typeface="Arial" panose="020B0604020202020204" pitchFamily="34" charset="0"/>
+                <a:latin typeface="Arial" pitchFamily="34" charset="0"/>
+                <a:ea typeface="Arial" pitchFamily="34" charset="0"/>
                 <a:sym typeface="+mn-ea"/>
               </a:rPr>
               <a:t>Part 1</a:t>
             </a:r>
             <a:endParaRPr lang="zh-CN" altLang="en-US" sz="2800" dirty="0">
-              <a:latin typeface="Arial" panose="020B0604020202020204" pitchFamily="34" charset="0"/>
-              <a:ea typeface="Arial" panose="020B0604020202020204" pitchFamily="34" charset="0"/>
+              <a:latin typeface="Arial" pitchFamily="34" charset="0"/>
+              <a:ea typeface="Arial" pitchFamily="34" charset="0"/>
             </a:endParaRPr>
           </a:p>
         </p:txBody>
@@ -15512,8 +15505,8 @@
                     </a:srgbClr>
                   </a:outerShdw>
                 </a:effectLst>
-                <a:latin typeface="Arial" panose="020B0604020202020204" pitchFamily="34" charset="0"/>
-                <a:ea typeface="Arial" panose="020B0604020202020204" pitchFamily="34" charset="0"/>
+                <a:latin typeface="Arial" pitchFamily="34" charset="0"/>
+                <a:ea typeface="Arial" pitchFamily="34" charset="0"/>
                 <a:sym typeface="+mn-ea"/>
               </a:rPr>
               <a:t>What's </a:t>
@@ -15530,8 +15523,8 @@
                     </a:srgbClr>
                   </a:outerShdw>
                 </a:effectLst>
-                <a:latin typeface="Arial" panose="020B0604020202020204" pitchFamily="34" charset="0"/>
-                <a:ea typeface="Arial" panose="020B0604020202020204" pitchFamily="34" charset="0"/>
+                <a:latin typeface="Arial" pitchFamily="34" charset="0"/>
+                <a:ea typeface="Arial" pitchFamily="34" charset="0"/>
                 <a:sym typeface="+mn-ea"/>
               </a:rPr>
               <a:t>micro:bit</a:t>
@@ -15548,8 +15541,8 @@
                     </a:srgbClr>
                   </a:outerShdw>
                 </a:effectLst>
-                <a:latin typeface="Arial" panose="020B0604020202020204" pitchFamily="34" charset="0"/>
-                <a:ea typeface="Arial" panose="020B0604020202020204" pitchFamily="34" charset="0"/>
+                <a:latin typeface="Arial" pitchFamily="34" charset="0"/>
+                <a:ea typeface="Arial" pitchFamily="34" charset="0"/>
                 <a:sym typeface="+mn-ea"/>
               </a:rPr>
               <a:t>?</a:t>
@@ -15565,8 +15558,8 @@
                   </a:srgbClr>
                 </a:outerShdw>
               </a:effectLst>
-              <a:latin typeface="Arial" panose="020B0604020202020204" pitchFamily="34" charset="0"/>
-              <a:ea typeface="Arial" panose="020B0604020202020204" pitchFamily="34" charset="0"/>
+              <a:latin typeface="Arial" pitchFamily="34" charset="0"/>
+              <a:ea typeface="Arial" pitchFamily="34" charset="0"/>
               <a:sym typeface="+mn-ea"/>
             </a:endParaRPr>
           </a:p>
@@ -15601,8 +15594,8 @@
                     <a:lumMod val="75000"/>
                   </a:schemeClr>
                 </a:solidFill>
-                <a:latin typeface="微软雅黑 Light" panose="020B0502040204020203" charset="-122"/>
-                <a:ea typeface="微软雅黑 Light" panose="020B0502040204020203" charset="-122"/>
+                <a:latin typeface="微软雅黑 Light" charset="-122"/>
+                <a:ea typeface="微软雅黑 Light" charset="-122"/>
               </a:rPr>
               <a:t>       </a:t>
             </a:r>
@@ -15613,8 +15606,8 @@
                     <a:lumMod val="75000"/>
                   </a:schemeClr>
                 </a:solidFill>
-                <a:latin typeface="Arial" panose="020B0604020202020204" pitchFamily="34" charset="0"/>
-                <a:ea typeface="Arial" panose="020B0604020202020204" pitchFamily="34" charset="0"/>
+                <a:latin typeface="Arial" pitchFamily="34" charset="0"/>
+                <a:ea typeface="Arial" pitchFamily="34" charset="0"/>
               </a:rPr>
               <a:t>Micro:</a:t>
             </a:r>
@@ -15625,8 +15618,8 @@
                     <a:lumMod val="75000"/>
                   </a:schemeClr>
                 </a:solidFill>
-                <a:latin typeface="Arial" panose="020B0604020202020204" pitchFamily="34" charset="0"/>
-                <a:ea typeface="Arial" panose="020B0604020202020204" pitchFamily="34" charset="0"/>
+                <a:latin typeface="Arial" pitchFamily="34" charset="0"/>
+                <a:ea typeface="Arial" pitchFamily="34" charset="0"/>
               </a:rPr>
               <a:t>Bit is a microcomputer designed by the </a:t>
             </a:r>
@@ -15637,8 +15630,8 @@
                     <a:lumMod val="75000"/>
                   </a:schemeClr>
                 </a:solidFill>
-                <a:latin typeface="Arial" panose="020B0604020202020204" pitchFamily="34" charset="0"/>
-                <a:ea typeface="Arial" panose="020B0604020202020204" pitchFamily="34" charset="0"/>
+                <a:latin typeface="Arial" pitchFamily="34" charset="0"/>
+                <a:ea typeface="Arial" pitchFamily="34" charset="0"/>
               </a:rPr>
               <a:t>BBC </a:t>
             </a:r>
@@ -15649,8 +15642,8 @@
                     <a:lumMod val="75000"/>
                   </a:schemeClr>
                 </a:solidFill>
-                <a:latin typeface="Arial" panose="020B0604020202020204" pitchFamily="34" charset="0"/>
-                <a:ea typeface="Arial" panose="020B0604020202020204" pitchFamily="34" charset="0"/>
+                <a:latin typeface="Arial" pitchFamily="34" charset="0"/>
+                <a:ea typeface="Arial" pitchFamily="34" charset="0"/>
               </a:rPr>
               <a:t>for adolescent programming education, which is developed by Microsoft, Samsung, ARM, University of Lancaster, UK and so on.</a:t>
             </a:r>
@@ -15660,8 +15653,8 @@
                   <a:lumMod val="75000"/>
                 </a:schemeClr>
               </a:solidFill>
-              <a:latin typeface="Arial" panose="020B0604020202020204" pitchFamily="34" charset="0"/>
-              <a:ea typeface="Arial" panose="020B0604020202020204" pitchFamily="34" charset="0"/>
+              <a:latin typeface="Arial" pitchFamily="34" charset="0"/>
+              <a:ea typeface="Arial" pitchFamily="34" charset="0"/>
             </a:endParaRPr>
           </a:p>
         </p:txBody>
@@ -15997,8 +15990,8 @@
                     <a:lumMod val="75000"/>
                   </a:schemeClr>
                 </a:solidFill>
-                <a:latin typeface="Arial" panose="020B0604020202020204" pitchFamily="34" charset="0"/>
-                <a:ea typeface="Arial" panose="020B0604020202020204" pitchFamily="34" charset="0"/>
+                <a:latin typeface="Arial" pitchFamily="34" charset="0"/>
+                <a:ea typeface="Arial" pitchFamily="34" charset="0"/>
               </a:rPr>
               <a:t>Part 1</a:t>
             </a:r>
@@ -16008,8 +16001,8 @@
                   <a:lumMod val="75000"/>
                 </a:schemeClr>
               </a:solidFill>
-              <a:latin typeface="Arial" panose="020B0604020202020204" pitchFamily="34" charset="0"/>
-              <a:ea typeface="Arial" panose="020B0604020202020204" pitchFamily="34" charset="0"/>
+              <a:latin typeface="Arial" pitchFamily="34" charset="0"/>
+              <a:ea typeface="Arial" pitchFamily="34" charset="0"/>
             </a:endParaRPr>
           </a:p>
         </p:txBody>
@@ -16044,8 +16037,8 @@
                     <a:lumMod val="75000"/>
                   </a:schemeClr>
                 </a:solidFill>
-                <a:latin typeface="微软雅黑 Light" panose="020B0502040204020203" charset="-122"/>
-                <a:ea typeface="微软雅黑 Light" panose="020B0502040204020203" charset="-122"/>
+                <a:latin typeface="微软雅黑 Light" charset="-122"/>
+                <a:ea typeface="微软雅黑 Light" charset="-122"/>
               </a:rPr>
               <a:t>   </a:t>
             </a:r>
@@ -16055,8 +16048,8 @@
                   <a:lumMod val="75000"/>
                 </a:schemeClr>
               </a:solidFill>
-              <a:latin typeface="Comic Sans MS" panose="030F0702030302020204" charset="0"/>
-              <a:ea typeface="微软雅黑 Light" panose="020B0502040204020203" charset="-122"/>
+              <a:latin typeface="Comic Sans MS" charset="0"/>
+              <a:ea typeface="微软雅黑 Light" charset="-122"/>
             </a:endParaRPr>
           </a:p>
         </p:txBody>
@@ -16087,8 +16080,8 @@
                 <a:solidFill>
                   <a:schemeClr val="bg1"/>
                 </a:solidFill>
-                <a:latin typeface="Arial" panose="020B0604020202020204" pitchFamily="34" charset="0"/>
-                <a:ea typeface="Arial" panose="020B0604020202020204" pitchFamily="34" charset="0"/>
+                <a:latin typeface="Arial" pitchFamily="34" charset="0"/>
+                <a:ea typeface="Arial" pitchFamily="34" charset="0"/>
               </a:rPr>
               <a:t>          </a:t>
             </a:r>
@@ -16097,8 +16090,8 @@
                 <a:solidFill>
                   <a:schemeClr val="bg1"/>
                 </a:solidFill>
-                <a:latin typeface="Arial" panose="020B0604020202020204" pitchFamily="34" charset="0"/>
-                <a:ea typeface="Arial" panose="020B0604020202020204" pitchFamily="34" charset="0"/>
+                <a:latin typeface="Arial" pitchFamily="34" charset="0"/>
+                <a:ea typeface="Arial" pitchFamily="34" charset="0"/>
               </a:rPr>
               <a:t>                     </a:t>
             </a:r>
@@ -16107,8 +16100,8 @@
                 <a:solidFill>
                   <a:schemeClr val="bg1"/>
                 </a:solidFill>
-                <a:latin typeface="Arial" panose="020B0604020202020204" pitchFamily="34" charset="0"/>
-                <a:ea typeface="Arial" panose="020B0604020202020204" pitchFamily="34" charset="0"/>
+                <a:latin typeface="Arial" pitchFamily="34" charset="0"/>
+                <a:ea typeface="Arial" pitchFamily="34" charset="0"/>
               </a:rPr>
               <a:t>micro:bit</a:t>
             </a:r>
@@ -16117,8 +16110,8 @@
                 <a:solidFill>
                   <a:schemeClr val="bg1"/>
                 </a:solidFill>
-                <a:latin typeface="Arial" panose="020B0604020202020204" pitchFamily="34" charset="0"/>
-                <a:ea typeface="Arial" panose="020B0604020202020204" pitchFamily="34" charset="0"/>
+                <a:latin typeface="Arial" pitchFamily="34" charset="0"/>
+                <a:ea typeface="Arial" pitchFamily="34" charset="0"/>
               </a:rPr>
               <a:t> module video tutorial</a:t>
             </a:r>
@@ -16127,21 +16120,21 @@
                 <a:solidFill>
                   <a:schemeClr val="bg1"/>
                 </a:solidFill>
-                <a:latin typeface="Arial" panose="020B0604020202020204" pitchFamily="34" charset="0"/>
-                <a:ea typeface="Arial" panose="020B0604020202020204" pitchFamily="34" charset="0"/>
+                <a:latin typeface="Arial" pitchFamily="34" charset="0"/>
+                <a:ea typeface="Arial" pitchFamily="34" charset="0"/>
               </a:rPr>
               <a:t> </a:t>
             </a:r>
             <a:r>
               <a:rPr lang="zh-CN" altLang="en-US" sz="2800" u="sng">
                 <a:latin typeface="icomoon" charset="0"/>
-                <a:ea typeface="Yu Gothic UI Semibold" panose="020B0700000000000000" charset="-128"/>
+                <a:ea typeface="Yu Gothic UI Semibold" charset="-128"/>
               </a:rPr>
               <a:t>                                </a:t>
             </a:r>
             <a:endParaRPr lang="zh-CN" altLang="en-US" sz="2800" u="sng">
               <a:latin typeface="icomoon" charset="0"/>
-              <a:ea typeface="Yu Gothic UI Semibold" panose="020B0700000000000000" charset="-128"/>
+              <a:ea typeface="Yu Gothic UI Semibold" charset="-128"/>
             </a:endParaRPr>
           </a:p>
         </p:txBody>
@@ -16541,8 +16534,8 @@
                 <a:solidFill>
                   <a:schemeClr val="bg1"/>
                 </a:solidFill>
-                <a:latin typeface="Arial" panose="020B0604020202020204" pitchFamily="34" charset="0"/>
-                <a:ea typeface="Arial" panose="020B0604020202020204" pitchFamily="34" charset="0"/>
+                <a:latin typeface="Arial" pitchFamily="34" charset="0"/>
+                <a:ea typeface="Arial" pitchFamily="34" charset="0"/>
                 <a:sym typeface="+mn-ea"/>
               </a:rPr>
               <a:t> </a:t>
@@ -16552,8 +16545,8 @@
                 <a:solidFill>
                   <a:schemeClr val="bg1"/>
                 </a:solidFill>
-                <a:latin typeface="Arial" panose="020B0604020202020204" pitchFamily="34" charset="0"/>
-                <a:ea typeface="Arial" panose="020B0604020202020204" pitchFamily="34" charset="0"/>
+                <a:latin typeface="Arial" pitchFamily="34" charset="0"/>
+                <a:ea typeface="Arial" pitchFamily="34" charset="0"/>
                 <a:sym typeface="+mn-ea"/>
               </a:rPr>
               <a:t>YahBoom     </a:t>
@@ -16563,8 +16556,8 @@
                 <a:solidFill>
                   <a:schemeClr val="bg1"/>
                 </a:solidFill>
-                <a:latin typeface="Arial" panose="020B0604020202020204" pitchFamily="34" charset="0"/>
-                <a:ea typeface="Arial" panose="020B0604020202020204" pitchFamily="34" charset="0"/>
+                <a:latin typeface="Arial" pitchFamily="34" charset="0"/>
+                <a:ea typeface="Arial" pitchFamily="34" charset="0"/>
                 <a:sym typeface="+mn-ea"/>
               </a:rPr>
               <a:t>micro:bit</a:t>
@@ -16574,8 +16567,8 @@
                 <a:solidFill>
                   <a:schemeClr val="bg1"/>
                 </a:solidFill>
-                <a:latin typeface="Arial" panose="020B0604020202020204" pitchFamily="34" charset="0"/>
-                <a:ea typeface="Arial" panose="020B0604020202020204" pitchFamily="34" charset="0"/>
+                <a:latin typeface="Arial" pitchFamily="34" charset="0"/>
+                <a:ea typeface="Arial" pitchFamily="34" charset="0"/>
                 <a:sym typeface="+mn-ea"/>
               </a:rPr>
               <a:t> video tutorial</a:t>
@@ -16836,8 +16829,8 @@
                     <a:lumMod val="75000"/>
                   </a:schemeClr>
                 </a:solidFill>
-                <a:latin typeface="Arial" panose="020B0604020202020204" pitchFamily="34" charset="0"/>
-                <a:ea typeface="Arial" panose="020B0604020202020204" pitchFamily="34" charset="0"/>
+                <a:latin typeface="Arial" pitchFamily="34" charset="0"/>
+                <a:ea typeface="Arial" pitchFamily="34" charset="0"/>
               </a:rPr>
               <a:t>micro:bit</a:t>
             </a:r>
@@ -16847,8 +16840,8 @@
                   <a:lumMod val="75000"/>
                 </a:schemeClr>
               </a:solidFill>
-              <a:latin typeface="Arial" panose="020B0604020202020204" pitchFamily="34" charset="0"/>
-              <a:ea typeface="Arial" panose="020B0604020202020204" pitchFamily="34" charset="0"/>
+              <a:latin typeface="Arial" pitchFamily="34" charset="0"/>
+              <a:ea typeface="Arial" pitchFamily="34" charset="0"/>
             </a:endParaRPr>
           </a:p>
           <a:p>
@@ -16860,8 +16853,8 @@
                     <a:lumMod val="75000"/>
                   </a:schemeClr>
                 </a:solidFill>
-                <a:latin typeface="Arial" panose="020B0604020202020204" pitchFamily="34" charset="0"/>
-                <a:ea typeface="Arial" panose="020B0604020202020204" pitchFamily="34" charset="0"/>
+                <a:latin typeface="Arial" pitchFamily="34" charset="0"/>
+                <a:ea typeface="Arial" pitchFamily="34" charset="0"/>
               </a:rPr>
               <a:t>features</a:t>
             </a:r>
@@ -16871,8 +16864,8 @@
                   <a:lumMod val="75000"/>
                 </a:schemeClr>
               </a:solidFill>
-              <a:latin typeface="Arial" panose="020B0604020202020204" pitchFamily="34" charset="0"/>
-              <a:ea typeface="Arial" panose="020B0604020202020204" pitchFamily="34" charset="0"/>
+              <a:latin typeface="Arial" pitchFamily="34" charset="0"/>
+              <a:ea typeface="Arial" pitchFamily="34" charset="0"/>
             </a:endParaRPr>
           </a:p>
         </p:txBody>
@@ -16903,7 +16896,7 @@
       </p:pic>
       <p:pic>
         <p:nvPicPr>
-          <p:cNvPr id="2" name="图片 1"/>
+          <p:cNvPr id="3" name="图片 2"/>
           <p:cNvPicPr>
             <a:picLocks noChangeAspect="1"/>
           </p:cNvPicPr>
@@ -16917,8 +16910,8 @@
         </p:blipFill>
         <p:spPr>
           <a:xfrm>
-            <a:off x="2757170" y="1150620"/>
-            <a:ext cx="8799830" cy="4590415"/>
+            <a:off x="2892425" y="1363980"/>
+            <a:ext cx="8515985" cy="3392170"/>
           </a:xfrm>
           <a:prstGeom prst="rect">
             <a:avLst/>
@@ -17215,8 +17208,8 @@
                     <a:lumMod val="75000"/>
                   </a:schemeClr>
                 </a:solidFill>
-                <a:latin typeface="微软雅黑 Light" panose="020B0502040204020203" charset="-122"/>
-                <a:ea typeface="微软雅黑 Light" panose="020B0502040204020203" charset="-122"/>
+                <a:latin typeface="微软雅黑 Light" charset="-122"/>
+                <a:ea typeface="微软雅黑 Light" charset="-122"/>
               </a:rPr>
               <a:t>Part 2</a:t>
             </a:r>
@@ -17226,8 +17219,8 @@
                   <a:lumMod val="75000"/>
                 </a:schemeClr>
               </a:solidFill>
-              <a:latin typeface="微软雅黑 Light" panose="020B0502040204020203" charset="-122"/>
-              <a:ea typeface="微软雅黑 Light" panose="020B0502040204020203" charset="-122"/>
+              <a:latin typeface="微软雅黑 Light" charset="-122"/>
+              <a:ea typeface="微软雅黑 Light" charset="-122"/>
             </a:endParaRPr>
           </a:p>
         </p:txBody>
@@ -17258,8 +17251,8 @@
                 <a:solidFill>
                   <a:schemeClr val="bg1"/>
                 </a:solidFill>
-                <a:latin typeface="Arial" panose="020B0604020202020204" pitchFamily="34" charset="0"/>
-                <a:ea typeface="Arial" panose="020B0604020202020204" pitchFamily="34" charset="0"/>
+                <a:latin typeface="Arial" pitchFamily="34" charset="0"/>
+                <a:ea typeface="Arial" pitchFamily="34" charset="0"/>
               </a:rPr>
               <a:t>                       </a:t>
             </a:r>
@@ -17268,8 +17261,8 @@
                 <a:solidFill>
                   <a:schemeClr val="bg1"/>
                 </a:solidFill>
-                <a:latin typeface="Arial" panose="020B0604020202020204" pitchFamily="34" charset="0"/>
-                <a:ea typeface="Arial" panose="020B0604020202020204" pitchFamily="34" charset="0"/>
+                <a:latin typeface="Arial" pitchFamily="34" charset="0"/>
+                <a:ea typeface="Arial" pitchFamily="34" charset="0"/>
               </a:rPr>
               <a:t>             </a:t>
             </a:r>
@@ -17278,8 +17271,8 @@
                 <a:solidFill>
                   <a:schemeClr val="bg1"/>
                 </a:solidFill>
-                <a:latin typeface="Arial" panose="020B0604020202020204" pitchFamily="34" charset="0"/>
-                <a:ea typeface="Arial" panose="020B0604020202020204" pitchFamily="34" charset="0"/>
+                <a:latin typeface="Arial" pitchFamily="34" charset="0"/>
+                <a:ea typeface="Arial" pitchFamily="34" charset="0"/>
               </a:rPr>
               <a:t>micro:bit</a:t>
             </a:r>
@@ -17288,8 +17281,8 @@
                 <a:solidFill>
                   <a:schemeClr val="bg1"/>
                 </a:solidFill>
-                <a:latin typeface="Arial" panose="020B0604020202020204" pitchFamily="34" charset="0"/>
-                <a:ea typeface="Arial" panose="020B0604020202020204" pitchFamily="34" charset="0"/>
+                <a:latin typeface="Arial" pitchFamily="34" charset="0"/>
+                <a:ea typeface="Arial" pitchFamily="34" charset="0"/>
               </a:rPr>
               <a:t> module video tutorial</a:t>
             </a:r>
@@ -17298,21 +17291,21 @@
                 <a:solidFill>
                   <a:schemeClr val="bg1"/>
                 </a:solidFill>
-                <a:latin typeface="Arial" panose="020B0604020202020204" pitchFamily="34" charset="0"/>
-                <a:ea typeface="Arial" panose="020B0604020202020204" pitchFamily="34" charset="0"/>
+                <a:latin typeface="Arial" pitchFamily="34" charset="0"/>
+                <a:ea typeface="Arial" pitchFamily="34" charset="0"/>
               </a:rPr>
               <a:t> </a:t>
             </a:r>
             <a:r>
               <a:rPr lang="zh-CN" altLang="en-US" sz="2800" u="sng">
                 <a:latin typeface="icomoon" charset="0"/>
-                <a:ea typeface="Yu Gothic UI Semibold" panose="020B0700000000000000" charset="-128"/>
+                <a:ea typeface="Yu Gothic UI Semibold" charset="-128"/>
               </a:rPr>
               <a:t>                                </a:t>
             </a:r>
             <a:endParaRPr lang="zh-CN" altLang="en-US" sz="2800" u="sng">
               <a:latin typeface="icomoon" charset="0"/>
-              <a:ea typeface="Yu Gothic UI Semibold" panose="020B0700000000000000" charset="-128"/>
+              <a:ea typeface="Yu Gothic UI Semibold" charset="-128"/>
             </a:endParaRPr>
           </a:p>
         </p:txBody>
@@ -17712,8 +17705,8 @@
                 <a:solidFill>
                   <a:schemeClr val="bg1"/>
                 </a:solidFill>
-                <a:latin typeface="Arial" panose="020B0604020202020204" pitchFamily="34" charset="0"/>
-                <a:ea typeface="Arial" panose="020B0604020202020204" pitchFamily="34" charset="0"/>
+                <a:latin typeface="Arial" pitchFamily="34" charset="0"/>
+                <a:ea typeface="Arial" pitchFamily="34" charset="0"/>
                 <a:sym typeface="+mn-ea"/>
               </a:rPr>
               <a:t> </a:t>
@@ -17723,8 +17716,8 @@
                 <a:solidFill>
                   <a:schemeClr val="bg1"/>
                 </a:solidFill>
-                <a:latin typeface="Arial" panose="020B0604020202020204" pitchFamily="34" charset="0"/>
-                <a:ea typeface="Arial" panose="020B0604020202020204" pitchFamily="34" charset="0"/>
+                <a:latin typeface="Arial" pitchFamily="34" charset="0"/>
+                <a:ea typeface="Arial" pitchFamily="34" charset="0"/>
                 <a:sym typeface="+mn-ea"/>
               </a:rPr>
               <a:t>YahBoom     </a:t>
@@ -17734,8 +17727,8 @@
                 <a:solidFill>
                   <a:schemeClr val="bg1"/>
                 </a:solidFill>
-                <a:latin typeface="Arial" panose="020B0604020202020204" pitchFamily="34" charset="0"/>
-                <a:ea typeface="Arial" panose="020B0604020202020204" pitchFamily="34" charset="0"/>
+                <a:latin typeface="Arial" pitchFamily="34" charset="0"/>
+                <a:ea typeface="Arial" pitchFamily="34" charset="0"/>
                 <a:sym typeface="+mn-ea"/>
               </a:rPr>
               <a:t>micro:bit</a:t>
@@ -17745,8 +17738,8 @@
                 <a:solidFill>
                   <a:schemeClr val="bg1"/>
                 </a:solidFill>
-                <a:latin typeface="Arial" panose="020B0604020202020204" pitchFamily="34" charset="0"/>
-                <a:ea typeface="Arial" panose="020B0604020202020204" pitchFamily="34" charset="0"/>
+                <a:latin typeface="Arial" pitchFamily="34" charset="0"/>
+                <a:ea typeface="Arial" pitchFamily="34" charset="0"/>
                 <a:sym typeface="+mn-ea"/>
               </a:rPr>
               <a:t> video tutorial</a:t>
@@ -17788,8 +17781,8 @@
                     </a:srgbClr>
                   </a:outerShdw>
                 </a:effectLst>
-                <a:latin typeface="Arial" panose="020B0604020202020204" pitchFamily="34" charset="0"/>
-                <a:ea typeface="Arial" panose="020B0604020202020204" pitchFamily="34" charset="0"/>
+                <a:latin typeface="Arial" pitchFamily="34" charset="0"/>
+                <a:ea typeface="Arial" pitchFamily="34" charset="0"/>
               </a:rPr>
               <a:t>       1.</a:t>
             </a:r>
@@ -17805,8 +17798,8 @@
                     </a:srgbClr>
                   </a:outerShdw>
                 </a:effectLst>
-                <a:latin typeface="Arial" panose="020B0604020202020204" pitchFamily="34" charset="0"/>
-                <a:ea typeface="Arial" panose="020B0604020202020204" pitchFamily="34" charset="0"/>
+                <a:latin typeface="Arial" pitchFamily="34" charset="0"/>
+                <a:ea typeface="Arial" pitchFamily="34" charset="0"/>
               </a:rPr>
               <a:t>First, you use the </a:t>
             </a:r>
@@ -17822,8 +17815,8 @@
                     </a:srgbClr>
                   </a:outerShdw>
                 </a:effectLst>
-                <a:latin typeface="Arial" panose="020B0604020202020204" pitchFamily="34" charset="0"/>
-                <a:ea typeface="Arial" panose="020B0604020202020204" pitchFamily="34" charset="0"/>
+                <a:latin typeface="Arial" pitchFamily="34" charset="0"/>
+                <a:ea typeface="Arial" pitchFamily="34" charset="0"/>
               </a:rPr>
               <a:t>USB cable</a:t>
             </a:r>
@@ -17839,8 +17832,8 @@
                     </a:srgbClr>
                   </a:outerShdw>
                 </a:effectLst>
-                <a:latin typeface="Arial" panose="020B0604020202020204" pitchFamily="34" charset="0"/>
-                <a:ea typeface="Arial" panose="020B0604020202020204" pitchFamily="34" charset="0"/>
+                <a:latin typeface="Arial" pitchFamily="34" charset="0"/>
+                <a:ea typeface="Arial" pitchFamily="34" charset="0"/>
               </a:rPr>
               <a:t> to connect the micro:bit to the computer</a:t>
             </a:r>
@@ -17856,8 +17849,8 @@
                     </a:srgbClr>
                   </a:outerShdw>
                 </a:effectLst>
-                <a:latin typeface="Arial" panose="020B0604020202020204" pitchFamily="34" charset="0"/>
-                <a:ea typeface="Arial" panose="020B0604020202020204" pitchFamily="34" charset="0"/>
+                <a:latin typeface="Arial" pitchFamily="34" charset="0"/>
+                <a:ea typeface="Arial" pitchFamily="34" charset="0"/>
               </a:rPr>
               <a:t>, a</a:t>
             </a:r>
@@ -17873,8 +17866,8 @@
                     </a:srgbClr>
                   </a:outerShdw>
                 </a:effectLst>
-                <a:latin typeface="Arial" panose="020B0604020202020204" pitchFamily="34" charset="0"/>
-                <a:ea typeface="Arial" panose="020B0604020202020204" pitchFamily="34" charset="0"/>
+                <a:latin typeface="Arial" pitchFamily="34" charset="0"/>
+                <a:ea typeface="Arial" pitchFamily="34" charset="0"/>
               </a:rPr>
               <a:t>t this point, the computer will have a micro:bit U disk.</a:t>
             </a:r>
@@ -17890,8 +17883,8 @@
                     </a:srgbClr>
                   </a:outerShdw>
                 </a:effectLst>
-                <a:latin typeface="Arial" panose="020B0604020202020204" pitchFamily="34" charset="0"/>
-                <a:ea typeface="Arial" panose="020B0604020202020204" pitchFamily="34" charset="0"/>
+                <a:latin typeface="Arial" pitchFamily="34" charset="0"/>
+                <a:ea typeface="Arial" pitchFamily="34" charset="0"/>
               </a:rPr>
               <a:t> </a:t>
             </a:r>
@@ -17907,8 +17900,8 @@
                     </a:srgbClr>
                   </a:outerShdw>
                 </a:effectLst>
-                <a:latin typeface="Arial" panose="020B0604020202020204" pitchFamily="34" charset="0"/>
-                <a:ea typeface="Arial" panose="020B0604020202020204" pitchFamily="34" charset="0"/>
+                <a:latin typeface="Arial" pitchFamily="34" charset="0"/>
+                <a:ea typeface="Arial" pitchFamily="34" charset="0"/>
               </a:rPr>
               <a:t>Open it,  click micro:bit</a:t>
             </a:r>
@@ -17924,8 +17917,8 @@
                     </a:srgbClr>
                   </a:outerShdw>
                 </a:effectLst>
-                <a:latin typeface="Arial" panose="020B0604020202020204" pitchFamily="34" charset="0"/>
-                <a:ea typeface="Arial" panose="020B0604020202020204" pitchFamily="34" charset="0"/>
+                <a:latin typeface="Arial" pitchFamily="34" charset="0"/>
+                <a:ea typeface="Arial" pitchFamily="34" charset="0"/>
               </a:rPr>
               <a:t> </a:t>
             </a:r>
@@ -17941,8 +17934,8 @@
                     </a:srgbClr>
                   </a:outerShdw>
                 </a:effectLst>
-                <a:latin typeface="Arial" panose="020B0604020202020204" pitchFamily="34" charset="0"/>
-                <a:ea typeface="Arial" panose="020B0604020202020204" pitchFamily="34" charset="0"/>
+                <a:latin typeface="Arial" pitchFamily="34" charset="0"/>
+                <a:ea typeface="Arial" pitchFamily="34" charset="0"/>
               </a:rPr>
               <a:t>website, then entered the micro:bit</a:t>
             </a:r>
@@ -17958,8 +17951,8 @@
                     </a:srgbClr>
                   </a:outerShdw>
                 </a:effectLst>
-                <a:latin typeface="Arial" panose="020B0604020202020204" pitchFamily="34" charset="0"/>
-                <a:ea typeface="Arial" panose="020B0604020202020204" pitchFamily="34" charset="0"/>
+                <a:latin typeface="Arial" pitchFamily="34" charset="0"/>
+                <a:ea typeface="Arial" pitchFamily="34" charset="0"/>
               </a:rPr>
               <a:t> </a:t>
             </a:r>
@@ -17975,8 +17968,8 @@
                     </a:srgbClr>
                   </a:outerShdw>
                 </a:effectLst>
-                <a:latin typeface="Arial" panose="020B0604020202020204" pitchFamily="34" charset="0"/>
-                <a:ea typeface="Arial" panose="020B0604020202020204" pitchFamily="34" charset="0"/>
+                <a:latin typeface="Arial" pitchFamily="34" charset="0"/>
+                <a:ea typeface="Arial" pitchFamily="34" charset="0"/>
               </a:rPr>
               <a:t>website </a:t>
             </a:r>
@@ -17991,8 +17984,8 @@
                   </a:srgbClr>
                 </a:outerShdw>
               </a:effectLst>
-              <a:latin typeface="Arial" panose="020B0604020202020204" pitchFamily="34" charset="0"/>
-              <a:ea typeface="Arial" panose="020B0604020202020204" pitchFamily="34" charset="0"/>
+              <a:latin typeface="Arial" pitchFamily="34" charset="0"/>
+              <a:ea typeface="Arial" pitchFamily="34" charset="0"/>
             </a:endParaRPr>
           </a:p>
         </p:txBody>
@@ -18249,8 +18242,8 @@
                     <a:lumMod val="75000"/>
                   </a:schemeClr>
                 </a:solidFill>
-                <a:latin typeface="Arial" panose="020B0604020202020204" pitchFamily="34" charset="0"/>
-                <a:ea typeface="Arial" panose="020B0604020202020204" pitchFamily="34" charset="0"/>
+                <a:latin typeface="Arial" pitchFamily="34" charset="0"/>
+                <a:ea typeface="Arial" pitchFamily="34" charset="0"/>
               </a:rPr>
               <a:t>How to open a programming web page?</a:t>
             </a:r>
@@ -18260,8 +18253,8 @@
                   <a:lumMod val="75000"/>
                 </a:schemeClr>
               </a:solidFill>
-              <a:latin typeface="Arial" panose="020B0604020202020204" pitchFamily="34" charset="0"/>
-              <a:ea typeface="Arial" panose="020B0604020202020204" pitchFamily="34" charset="0"/>
+              <a:latin typeface="Arial" pitchFamily="34" charset="0"/>
+              <a:ea typeface="Arial" pitchFamily="34" charset="0"/>
             </a:endParaRPr>
           </a:p>
         </p:txBody>
@@ -18604,8 +18597,8 @@
                     <a:lumMod val="75000"/>
                   </a:schemeClr>
                 </a:solidFill>
-                <a:latin typeface="Arial" panose="020B0604020202020204" pitchFamily="34" charset="0"/>
-                <a:ea typeface="Arial" panose="020B0604020202020204" pitchFamily="34" charset="0"/>
+                <a:latin typeface="Arial" pitchFamily="34" charset="0"/>
+                <a:ea typeface="Arial" pitchFamily="34" charset="0"/>
               </a:rPr>
               <a:t>Part 2</a:t>
             </a:r>
@@ -18615,8 +18608,8 @@
                   <a:lumMod val="75000"/>
                 </a:schemeClr>
               </a:solidFill>
-              <a:latin typeface="Arial" panose="020B0604020202020204" pitchFamily="34" charset="0"/>
-              <a:ea typeface="Arial" panose="020B0604020202020204" pitchFamily="34" charset="0"/>
+              <a:latin typeface="Arial" pitchFamily="34" charset="0"/>
+              <a:ea typeface="Arial" pitchFamily="34" charset="0"/>
             </a:endParaRPr>
           </a:p>
         </p:txBody>
@@ -18647,8 +18640,8 @@
                 <a:solidFill>
                   <a:schemeClr val="bg1"/>
                 </a:solidFill>
-                <a:latin typeface="Arial" panose="020B0604020202020204" pitchFamily="34" charset="0"/>
-                <a:ea typeface="Arial" panose="020B0604020202020204" pitchFamily="34" charset="0"/>
+                <a:latin typeface="Arial" pitchFamily="34" charset="0"/>
+                <a:ea typeface="Arial" pitchFamily="34" charset="0"/>
               </a:rPr>
               <a:t>                     </a:t>
             </a:r>
@@ -18657,8 +18650,8 @@
                 <a:solidFill>
                   <a:schemeClr val="bg1"/>
                 </a:solidFill>
-                <a:latin typeface="Arial" panose="020B0604020202020204" pitchFamily="34" charset="0"/>
-                <a:ea typeface="Arial" panose="020B0604020202020204" pitchFamily="34" charset="0"/>
+                <a:latin typeface="Arial" pitchFamily="34" charset="0"/>
+                <a:ea typeface="Arial" pitchFamily="34" charset="0"/>
               </a:rPr>
               <a:t>             </a:t>
             </a:r>
@@ -18667,8 +18660,8 @@
                 <a:solidFill>
                   <a:schemeClr val="bg1"/>
                 </a:solidFill>
-                <a:latin typeface="Arial" panose="020B0604020202020204" pitchFamily="34" charset="0"/>
-                <a:ea typeface="Arial" panose="020B0604020202020204" pitchFamily="34" charset="0"/>
+                <a:latin typeface="Arial" pitchFamily="34" charset="0"/>
+                <a:ea typeface="Arial" pitchFamily="34" charset="0"/>
               </a:rPr>
               <a:t>micro:bit</a:t>
             </a:r>
@@ -18677,8 +18670,8 @@
                 <a:solidFill>
                   <a:schemeClr val="bg1"/>
                 </a:solidFill>
-                <a:latin typeface="Arial" panose="020B0604020202020204" pitchFamily="34" charset="0"/>
-                <a:ea typeface="Arial" panose="020B0604020202020204" pitchFamily="34" charset="0"/>
+                <a:latin typeface="Arial" pitchFamily="34" charset="0"/>
+                <a:ea typeface="Arial" pitchFamily="34" charset="0"/>
               </a:rPr>
               <a:t> module video tutorial</a:t>
             </a:r>
@@ -18687,21 +18680,21 @@
                 <a:solidFill>
                   <a:schemeClr val="bg1"/>
                 </a:solidFill>
-                <a:latin typeface="Arial" panose="020B0604020202020204" pitchFamily="34" charset="0"/>
-                <a:ea typeface="Arial" panose="020B0604020202020204" pitchFamily="34" charset="0"/>
+                <a:latin typeface="Arial" pitchFamily="34" charset="0"/>
+                <a:ea typeface="Arial" pitchFamily="34" charset="0"/>
               </a:rPr>
               <a:t> </a:t>
             </a:r>
             <a:r>
               <a:rPr lang="zh-CN" altLang="en-US" sz="2800" u="sng">
                 <a:latin typeface="icomoon" charset="0"/>
-                <a:ea typeface="Yu Gothic UI Semibold" panose="020B0700000000000000" charset="-128"/>
+                <a:ea typeface="Yu Gothic UI Semibold" charset="-128"/>
               </a:rPr>
               <a:t>                                </a:t>
             </a:r>
             <a:endParaRPr lang="zh-CN" altLang="en-US" sz="2800" u="sng">
               <a:latin typeface="icomoon" charset="0"/>
-              <a:ea typeface="Yu Gothic UI Semibold" panose="020B0700000000000000" charset="-128"/>
+              <a:ea typeface="Yu Gothic UI Semibold" charset="-128"/>
             </a:endParaRPr>
           </a:p>
         </p:txBody>
@@ -19101,8 +19094,8 @@
                 <a:solidFill>
                   <a:schemeClr val="bg1"/>
                 </a:solidFill>
-                <a:latin typeface="Arial" panose="020B0604020202020204" pitchFamily="34" charset="0"/>
-                <a:ea typeface="Arial" panose="020B0604020202020204" pitchFamily="34" charset="0"/>
+                <a:latin typeface="Arial" pitchFamily="34" charset="0"/>
+                <a:ea typeface="Arial" pitchFamily="34" charset="0"/>
                 <a:sym typeface="+mn-ea"/>
               </a:rPr>
               <a:t> </a:t>
@@ -19112,8 +19105,8 @@
                 <a:solidFill>
                   <a:schemeClr val="bg1"/>
                 </a:solidFill>
-                <a:latin typeface="Arial" panose="020B0604020202020204" pitchFamily="34" charset="0"/>
-                <a:ea typeface="Arial" panose="020B0604020202020204" pitchFamily="34" charset="0"/>
+                <a:latin typeface="Arial" pitchFamily="34" charset="0"/>
+                <a:ea typeface="Arial" pitchFamily="34" charset="0"/>
                 <a:sym typeface="+mn-ea"/>
               </a:rPr>
               <a:t>YahBoom     </a:t>
@@ -19123,8 +19116,8 @@
                 <a:solidFill>
                   <a:schemeClr val="bg1"/>
                 </a:solidFill>
-                <a:latin typeface="Arial" panose="020B0604020202020204" pitchFamily="34" charset="0"/>
-                <a:ea typeface="Arial" panose="020B0604020202020204" pitchFamily="34" charset="0"/>
+                <a:latin typeface="Arial" pitchFamily="34" charset="0"/>
+                <a:ea typeface="Arial" pitchFamily="34" charset="0"/>
                 <a:sym typeface="+mn-ea"/>
               </a:rPr>
               <a:t>micro:bit</a:t>
@@ -19134,8 +19127,8 @@
                 <a:solidFill>
                   <a:schemeClr val="bg1"/>
                 </a:solidFill>
-                <a:latin typeface="Arial" panose="020B0604020202020204" pitchFamily="34" charset="0"/>
-                <a:ea typeface="Arial" panose="020B0604020202020204" pitchFamily="34" charset="0"/>
+                <a:latin typeface="Arial" pitchFamily="34" charset="0"/>
+                <a:ea typeface="Arial" pitchFamily="34" charset="0"/>
                 <a:sym typeface="+mn-ea"/>
               </a:rPr>
               <a:t> video tutorial</a:t>
@@ -19172,8 +19165,8 @@
                   <a:lumMod val="75000"/>
                 </a:schemeClr>
               </a:solidFill>
-              <a:latin typeface="微软雅黑 Light" panose="020B0502040204020203" charset="-122"/>
-              <a:ea typeface="微软雅黑 Light" panose="020B0502040204020203" charset="-122"/>
+              <a:latin typeface="微软雅黑 Light" charset="-122"/>
+              <a:ea typeface="微软雅黑 Light" charset="-122"/>
             </a:endParaRPr>
           </a:p>
         </p:txBody>
@@ -19434,8 +19427,8 @@
                     </a:srgbClr>
                   </a:outerShdw>
                 </a:effectLst>
-                <a:latin typeface="Arial" panose="020B0604020202020204" pitchFamily="34" charset="0"/>
-                <a:ea typeface="Arial" panose="020B0604020202020204" pitchFamily="34" charset="0"/>
+                <a:latin typeface="Arial" pitchFamily="34" charset="0"/>
+                <a:ea typeface="Arial" pitchFamily="34" charset="0"/>
               </a:rPr>
               <a:t>       2.</a:t>
             </a:r>
@@ -19451,8 +19444,8 @@
                     </a:srgbClr>
                   </a:outerShdw>
                 </a:effectLst>
-                <a:latin typeface="Arial" panose="020B0604020202020204" pitchFamily="34" charset="0"/>
-                <a:ea typeface="Arial" panose="020B0604020202020204" pitchFamily="34" charset="0"/>
+                <a:latin typeface="Arial" pitchFamily="34" charset="0"/>
+                <a:ea typeface="Arial" pitchFamily="34" charset="0"/>
               </a:rPr>
               <a:t>After entering the micro:bit, click </a:t>
             </a:r>
@@ -19468,8 +19461,8 @@
                     </a:srgbClr>
                   </a:outerShdw>
                 </a:effectLst>
-                <a:latin typeface="Arial" panose="020B0604020202020204" pitchFamily="34" charset="0"/>
-                <a:ea typeface="Arial" panose="020B0604020202020204" pitchFamily="34" charset="0"/>
+                <a:latin typeface="Arial" pitchFamily="34" charset="0"/>
+                <a:ea typeface="Arial" pitchFamily="34" charset="0"/>
               </a:rPr>
               <a:t>Let's Code</a:t>
             </a:r>
@@ -19484,8 +19477,8 @@
                   </a:srgbClr>
                 </a:outerShdw>
               </a:effectLst>
-              <a:latin typeface="Arial" panose="020B0604020202020204" pitchFamily="34" charset="0"/>
-              <a:ea typeface="Arial" panose="020B0604020202020204" pitchFamily="34" charset="0"/>
+              <a:latin typeface="Arial" pitchFamily="34" charset="0"/>
+              <a:ea typeface="Arial" pitchFamily="34" charset="0"/>
             </a:endParaRPr>
           </a:p>
         </p:txBody>
@@ -19567,8 +19560,8 @@
                     <a:lumMod val="75000"/>
                   </a:schemeClr>
                 </a:solidFill>
-                <a:latin typeface="Arial" panose="020B0604020202020204" pitchFamily="34" charset="0"/>
-                <a:ea typeface="Arial" panose="020B0604020202020204" pitchFamily="34" charset="0"/>
+                <a:latin typeface="Arial" pitchFamily="34" charset="0"/>
+                <a:ea typeface="Arial" pitchFamily="34" charset="0"/>
               </a:rPr>
               <a:t>How to open a programming web page?</a:t>
             </a:r>
@@ -19578,8 +19571,8 @@
                   <a:lumMod val="75000"/>
                 </a:schemeClr>
               </a:solidFill>
-              <a:latin typeface="Arial" panose="020B0604020202020204" pitchFamily="34" charset="0"/>
-              <a:ea typeface="Arial" panose="020B0604020202020204" pitchFamily="34" charset="0"/>
+              <a:latin typeface="Arial" pitchFamily="34" charset="0"/>
+              <a:ea typeface="Arial" pitchFamily="34" charset="0"/>
             </a:endParaRPr>
           </a:p>
         </p:txBody>
@@ -19638,8 +19631,8 @@
                 <a:solidFill>
                   <a:schemeClr val="bg1"/>
                 </a:solidFill>
-                <a:latin typeface="Arial" panose="020B0604020202020204" pitchFamily="34" charset="0"/>
-                <a:ea typeface="Arial" panose="020B0604020202020204" pitchFamily="34" charset="0"/>
+                <a:latin typeface="Arial" pitchFamily="34" charset="0"/>
+                <a:ea typeface="Arial" pitchFamily="34" charset="0"/>
               </a:rPr>
               <a:t>                       </a:t>
             </a:r>
@@ -19648,8 +19641,8 @@
                 <a:solidFill>
                   <a:schemeClr val="bg1"/>
                 </a:solidFill>
-                <a:latin typeface="Arial" panose="020B0604020202020204" pitchFamily="34" charset="0"/>
-                <a:ea typeface="Arial" panose="020B0604020202020204" pitchFamily="34" charset="0"/>
+                <a:latin typeface="Arial" pitchFamily="34" charset="0"/>
+                <a:ea typeface="Arial" pitchFamily="34" charset="0"/>
               </a:rPr>
               <a:t>             </a:t>
             </a:r>
@@ -19658,8 +19651,8 @@
                 <a:solidFill>
                   <a:schemeClr val="bg1"/>
                 </a:solidFill>
-                <a:latin typeface="Arial" panose="020B0604020202020204" pitchFamily="34" charset="0"/>
-                <a:ea typeface="Arial" panose="020B0604020202020204" pitchFamily="34" charset="0"/>
+                <a:latin typeface="Arial" pitchFamily="34" charset="0"/>
+                <a:ea typeface="Arial" pitchFamily="34" charset="0"/>
               </a:rPr>
               <a:t>micro:bit</a:t>
             </a:r>
@@ -19668,8 +19661,8 @@
                 <a:solidFill>
                   <a:schemeClr val="bg1"/>
                 </a:solidFill>
-                <a:latin typeface="Arial" panose="020B0604020202020204" pitchFamily="34" charset="0"/>
-                <a:ea typeface="Arial" panose="020B0604020202020204" pitchFamily="34" charset="0"/>
+                <a:latin typeface="Arial" pitchFamily="34" charset="0"/>
+                <a:ea typeface="Arial" pitchFamily="34" charset="0"/>
               </a:rPr>
               <a:t> module video tutorial</a:t>
             </a:r>
@@ -19678,21 +19671,21 @@
                 <a:solidFill>
                   <a:schemeClr val="bg1"/>
                 </a:solidFill>
-                <a:latin typeface="Arial" panose="020B0604020202020204" pitchFamily="34" charset="0"/>
-                <a:ea typeface="Arial" panose="020B0604020202020204" pitchFamily="34" charset="0"/>
+                <a:latin typeface="Arial" pitchFamily="34" charset="0"/>
+                <a:ea typeface="Arial" pitchFamily="34" charset="0"/>
               </a:rPr>
               <a:t> </a:t>
             </a:r>
             <a:r>
               <a:rPr lang="zh-CN" altLang="en-US" sz="2800" u="sng">
                 <a:latin typeface="icomoon" charset="0"/>
-                <a:ea typeface="Yu Gothic UI Semibold" panose="020B0700000000000000" charset="-128"/>
+                <a:ea typeface="Yu Gothic UI Semibold" charset="-128"/>
               </a:rPr>
               <a:t>                                </a:t>
             </a:r>
             <a:endParaRPr lang="zh-CN" altLang="en-US" sz="2800" u="sng">
               <a:latin typeface="icomoon" charset="0"/>
-              <a:ea typeface="Yu Gothic UI Semibold" panose="020B0700000000000000" charset="-128"/>
+              <a:ea typeface="Yu Gothic UI Semibold" charset="-128"/>
             </a:endParaRPr>
           </a:p>
         </p:txBody>
@@ -19726,8 +19719,8 @@
                     <a:lumMod val="75000"/>
                   </a:schemeClr>
                 </a:solidFill>
-                <a:latin typeface="Arial" panose="020B0604020202020204" pitchFamily="34" charset="0"/>
-                <a:ea typeface="Arial" panose="020B0604020202020204" pitchFamily="34" charset="0"/>
+                <a:latin typeface="Arial" pitchFamily="34" charset="0"/>
+                <a:ea typeface="Arial" pitchFamily="34" charset="0"/>
               </a:rPr>
               <a:t>Part 2</a:t>
             </a:r>
@@ -19737,8 +19730,8 @@
                   <a:lumMod val="75000"/>
                 </a:schemeClr>
               </a:solidFill>
-              <a:latin typeface="Arial" panose="020B0604020202020204" pitchFamily="34" charset="0"/>
-              <a:ea typeface="Arial" panose="020B0604020202020204" pitchFamily="34" charset="0"/>
+              <a:latin typeface="Arial" pitchFamily="34" charset="0"/>
+              <a:ea typeface="Arial" pitchFamily="34" charset="0"/>
             </a:endParaRPr>
           </a:p>
         </p:txBody>
@@ -20361,8 +20354,8 @@
                 <a:solidFill>
                   <a:schemeClr val="bg1"/>
                 </a:solidFill>
-                <a:latin typeface="Arial" panose="020B0604020202020204" pitchFamily="34" charset="0"/>
-                <a:ea typeface="Arial" panose="020B0604020202020204" pitchFamily="34" charset="0"/>
+                <a:latin typeface="Arial" pitchFamily="34" charset="0"/>
+                <a:ea typeface="Arial" pitchFamily="34" charset="0"/>
                 <a:sym typeface="+mn-ea"/>
               </a:rPr>
               <a:t> </a:t>
@@ -20372,8 +20365,8 @@
                 <a:solidFill>
                   <a:schemeClr val="bg1"/>
                 </a:solidFill>
-                <a:latin typeface="Arial" panose="020B0604020202020204" pitchFamily="34" charset="0"/>
-                <a:ea typeface="Arial" panose="020B0604020202020204" pitchFamily="34" charset="0"/>
+                <a:latin typeface="Arial" pitchFamily="34" charset="0"/>
+                <a:ea typeface="Arial" pitchFamily="34" charset="0"/>
                 <a:sym typeface="+mn-ea"/>
               </a:rPr>
               <a:t>YahBoom     </a:t>
@@ -20383,8 +20376,8 @@
                 <a:solidFill>
                   <a:schemeClr val="bg1"/>
                 </a:solidFill>
-                <a:latin typeface="Arial" panose="020B0604020202020204" pitchFamily="34" charset="0"/>
-                <a:ea typeface="Arial" panose="020B0604020202020204" pitchFamily="34" charset="0"/>
+                <a:latin typeface="Arial" pitchFamily="34" charset="0"/>
+                <a:ea typeface="Arial" pitchFamily="34" charset="0"/>
                 <a:sym typeface="+mn-ea"/>
               </a:rPr>
               <a:t>micro:bit</a:t>
@@ -20394,8 +20387,8 @@
                 <a:solidFill>
                   <a:schemeClr val="bg1"/>
                 </a:solidFill>
-                <a:latin typeface="Arial" panose="020B0604020202020204" pitchFamily="34" charset="0"/>
-                <a:ea typeface="Arial" panose="020B0604020202020204" pitchFamily="34" charset="0"/>
+                <a:latin typeface="Arial" pitchFamily="34" charset="0"/>
+                <a:ea typeface="Arial" pitchFamily="34" charset="0"/>
                 <a:sym typeface="+mn-ea"/>
               </a:rPr>
               <a:t> video tutorial</a:t>
@@ -20438,8 +20431,8 @@
                     </a:srgbClr>
                   </a:outerShdw>
                 </a:effectLst>
-                <a:latin typeface="Arial" panose="020B0604020202020204" pitchFamily="34" charset="0"/>
-                <a:ea typeface="Arial" panose="020B0604020202020204" pitchFamily="34" charset="0"/>
+                <a:latin typeface="Arial" pitchFamily="34" charset="0"/>
+                <a:ea typeface="Arial" pitchFamily="34" charset="0"/>
                 <a:sym typeface="+mn-ea"/>
               </a:rPr>
               <a:t>       </a:t>
@@ -20456,8 +20449,8 @@
                     </a:srgbClr>
                   </a:outerShdw>
                 </a:effectLst>
-                <a:latin typeface="Arial" panose="020B0604020202020204" pitchFamily="34" charset="0"/>
-                <a:ea typeface="Arial" panose="020B0604020202020204" pitchFamily="34" charset="0"/>
+                <a:latin typeface="Arial" pitchFamily="34" charset="0"/>
+                <a:ea typeface="Arial" pitchFamily="34" charset="0"/>
                 <a:sym typeface="+mn-ea"/>
               </a:rPr>
               <a:t>When you get into a new page, click on the screen below [</a:t>
@@ -20474,8 +20467,8 @@
                     </a:srgbClr>
                   </a:outerShdw>
                 </a:effectLst>
-                <a:latin typeface="Arial" panose="020B0604020202020204" pitchFamily="34" charset="0"/>
-                <a:ea typeface="Arial" panose="020B0604020202020204" pitchFamily="34" charset="0"/>
+                <a:latin typeface="Arial" pitchFamily="34" charset="0"/>
+                <a:ea typeface="Arial" pitchFamily="34" charset="0"/>
                 <a:sym typeface="+mn-ea"/>
               </a:rPr>
               <a:t>L</a:t>
@@ -20492,8 +20485,8 @@
                     </a:srgbClr>
                   </a:outerShdw>
                 </a:effectLst>
-                <a:latin typeface="Arial" panose="020B0604020202020204" pitchFamily="34" charset="0"/>
-                <a:ea typeface="Arial" panose="020B0604020202020204" pitchFamily="34" charset="0"/>
+                <a:latin typeface="Arial" pitchFamily="34" charset="0"/>
+                <a:ea typeface="Arial" pitchFamily="34" charset="0"/>
                 <a:sym typeface="+mn-ea"/>
               </a:rPr>
               <a:t>et's </a:t>
@@ -20510,8 +20503,8 @@
                     </a:srgbClr>
                   </a:outerShdw>
                 </a:effectLst>
-                <a:latin typeface="Arial" panose="020B0604020202020204" pitchFamily="34" charset="0"/>
-                <a:ea typeface="Arial" panose="020B0604020202020204" pitchFamily="34" charset="0"/>
+                <a:latin typeface="Arial" pitchFamily="34" charset="0"/>
+                <a:ea typeface="Arial" pitchFamily="34" charset="0"/>
                 <a:sym typeface="+mn-ea"/>
               </a:rPr>
               <a:t>Code</a:t>
@@ -20528,8 +20521,8 @@
                     </a:srgbClr>
                   </a:outerShdw>
                 </a:effectLst>
-                <a:latin typeface="Arial" panose="020B0604020202020204" pitchFamily="34" charset="0"/>
-                <a:ea typeface="Arial" panose="020B0604020202020204" pitchFamily="34" charset="0"/>
+                <a:latin typeface="Arial" pitchFamily="34" charset="0"/>
+                <a:ea typeface="Arial" pitchFamily="34" charset="0"/>
                 <a:sym typeface="+mn-ea"/>
               </a:rPr>
               <a:t>],</a:t>
@@ -20545,8 +20538,8 @@
                   </a:srgbClr>
                 </a:outerShdw>
               </a:effectLst>
-              <a:latin typeface="Arial" panose="020B0604020202020204" pitchFamily="34" charset="0"/>
-              <a:ea typeface="Arial" panose="020B0604020202020204" pitchFamily="34" charset="0"/>
+              <a:latin typeface="Arial" pitchFamily="34" charset="0"/>
+              <a:ea typeface="Arial" pitchFamily="34" charset="0"/>
               <a:sym typeface="+mn-ea"/>
             </a:endParaRPr>
           </a:p>
@@ -20564,8 +20557,8 @@
                     </a:srgbClr>
                   </a:outerShdw>
                 </a:effectLst>
-                <a:latin typeface="Arial" panose="020B0604020202020204" pitchFamily="34" charset="0"/>
-                <a:ea typeface="Arial" panose="020B0604020202020204" pitchFamily="34" charset="0"/>
+                <a:latin typeface="Arial" pitchFamily="34" charset="0"/>
+                <a:ea typeface="Arial" pitchFamily="34" charset="0"/>
                 <a:sym typeface="+mn-ea"/>
               </a:rPr>
               <a:t>You can get into the programming page.</a:t>
@@ -20581,8 +20574,8 @@
                   </a:srgbClr>
                 </a:outerShdw>
               </a:effectLst>
-              <a:latin typeface="Arial" panose="020B0604020202020204" pitchFamily="34" charset="0"/>
-              <a:ea typeface="Arial" panose="020B0604020202020204" pitchFamily="34" charset="0"/>
+              <a:latin typeface="Arial" pitchFamily="34" charset="0"/>
+              <a:ea typeface="Arial" pitchFamily="34" charset="0"/>
               <a:sym typeface="+mn-ea"/>
             </a:endParaRPr>
           </a:p>
@@ -20665,8 +20658,8 @@
                     <a:lumMod val="75000"/>
                   </a:schemeClr>
                 </a:solidFill>
-                <a:latin typeface="Arial" panose="020B0604020202020204" pitchFamily="34" charset="0"/>
-                <a:ea typeface="Arial" panose="020B0604020202020204" pitchFamily="34" charset="0"/>
+                <a:latin typeface="Arial" pitchFamily="34" charset="0"/>
+                <a:ea typeface="Arial" pitchFamily="34" charset="0"/>
               </a:rPr>
               <a:t>How to open a programming web page?</a:t>
             </a:r>
@@ -20676,8 +20669,8 @@
                   <a:lumMod val="75000"/>
                 </a:schemeClr>
               </a:solidFill>
-              <a:latin typeface="Arial" panose="020B0604020202020204" pitchFamily="34" charset="0"/>
-              <a:ea typeface="Arial" panose="020B0604020202020204" pitchFamily="34" charset="0"/>
+              <a:latin typeface="Arial" pitchFamily="34" charset="0"/>
+              <a:ea typeface="Arial" pitchFamily="34" charset="0"/>
             </a:endParaRPr>
           </a:p>
         </p:txBody>
@@ -20731,8 +20724,8 @@
                     <a:lumMod val="75000"/>
                   </a:schemeClr>
                 </a:solidFill>
-                <a:latin typeface="Arial" panose="020B0604020202020204" pitchFamily="34" charset="0"/>
-                <a:ea typeface="Arial" panose="020B0604020202020204" pitchFamily="34" charset="0"/>
+                <a:latin typeface="Arial" pitchFamily="34" charset="0"/>
+                <a:ea typeface="Arial" pitchFamily="34" charset="0"/>
                 <a:sym typeface="+mn-ea"/>
               </a:rPr>
               <a:t>Part 3</a:t>
@@ -20743,8 +20736,8 @@
                   <a:lumMod val="75000"/>
                 </a:schemeClr>
               </a:solidFill>
-              <a:latin typeface="Arial" panose="020B0604020202020204" pitchFamily="34" charset="0"/>
-              <a:ea typeface="Arial" panose="020B0604020202020204" pitchFamily="34" charset="0"/>
+              <a:latin typeface="Arial" pitchFamily="34" charset="0"/>
+              <a:ea typeface="Arial" pitchFamily="34" charset="0"/>
               <a:sym typeface="+mn-ea"/>
             </a:endParaRPr>
           </a:p>
@@ -20776,8 +20769,8 @@
                 <a:solidFill>
                   <a:schemeClr val="bg1"/>
                 </a:solidFill>
-                <a:latin typeface="Arial" panose="020B0604020202020204" pitchFamily="34" charset="0"/>
-                <a:ea typeface="Arial" panose="020B0604020202020204" pitchFamily="34" charset="0"/>
+                <a:latin typeface="Arial" pitchFamily="34" charset="0"/>
+                <a:ea typeface="Arial" pitchFamily="34" charset="0"/>
               </a:rPr>
               <a:t>                         </a:t>
             </a:r>
@@ -20786,8 +20779,8 @@
                 <a:solidFill>
                   <a:schemeClr val="bg1"/>
                 </a:solidFill>
-                <a:latin typeface="Arial" panose="020B0604020202020204" pitchFamily="34" charset="0"/>
-                <a:ea typeface="Arial" panose="020B0604020202020204" pitchFamily="34" charset="0"/>
+                <a:latin typeface="Arial" pitchFamily="34" charset="0"/>
+                <a:ea typeface="Arial" pitchFamily="34" charset="0"/>
               </a:rPr>
               <a:t>             </a:t>
             </a:r>
@@ -20796,8 +20789,8 @@
                 <a:solidFill>
                   <a:schemeClr val="bg1"/>
                 </a:solidFill>
-                <a:latin typeface="Arial" panose="020B0604020202020204" pitchFamily="34" charset="0"/>
-                <a:ea typeface="Arial" panose="020B0604020202020204" pitchFamily="34" charset="0"/>
+                <a:latin typeface="Arial" pitchFamily="34" charset="0"/>
+                <a:ea typeface="Arial" pitchFamily="34" charset="0"/>
               </a:rPr>
               <a:t>micro:bit</a:t>
             </a:r>
@@ -20806,8 +20799,8 @@
                 <a:solidFill>
                   <a:schemeClr val="bg1"/>
                 </a:solidFill>
-                <a:latin typeface="Arial" panose="020B0604020202020204" pitchFamily="34" charset="0"/>
-                <a:ea typeface="Arial" panose="020B0604020202020204" pitchFamily="34" charset="0"/>
+                <a:latin typeface="Arial" pitchFamily="34" charset="0"/>
+                <a:ea typeface="Arial" pitchFamily="34" charset="0"/>
               </a:rPr>
               <a:t> module video tutorial</a:t>
             </a:r>
@@ -20816,21 +20809,21 @@
                 <a:solidFill>
                   <a:schemeClr val="bg1"/>
                 </a:solidFill>
-                <a:latin typeface="Arial" panose="020B0604020202020204" pitchFamily="34" charset="0"/>
-                <a:ea typeface="Arial" panose="020B0604020202020204" pitchFamily="34" charset="0"/>
+                <a:latin typeface="Arial" pitchFamily="34" charset="0"/>
+                <a:ea typeface="Arial" pitchFamily="34" charset="0"/>
               </a:rPr>
               <a:t> </a:t>
             </a:r>
             <a:r>
               <a:rPr lang="zh-CN" altLang="en-US" sz="2800" u="sng">
                 <a:latin typeface="icomoon" charset="0"/>
-                <a:ea typeface="Yu Gothic UI Semibold" panose="020B0700000000000000" charset="-128"/>
+                <a:ea typeface="Yu Gothic UI Semibold" charset="-128"/>
               </a:rPr>
               <a:t>                                </a:t>
             </a:r>
             <a:endParaRPr lang="zh-CN" altLang="en-US" sz="2800" u="sng">
               <a:latin typeface="icomoon" charset="0"/>
-              <a:ea typeface="Yu Gothic UI Semibold" panose="020B0700000000000000" charset="-128"/>
+              <a:ea typeface="Yu Gothic UI Semibold" charset="-128"/>
             </a:endParaRPr>
           </a:p>
         </p:txBody>
@@ -21230,8 +21223,8 @@
                 <a:solidFill>
                   <a:schemeClr val="bg1"/>
                 </a:solidFill>
-                <a:latin typeface="Arial" panose="020B0604020202020204" pitchFamily="34" charset="0"/>
-                <a:ea typeface="Arial" panose="020B0604020202020204" pitchFamily="34" charset="0"/>
+                <a:latin typeface="Arial" pitchFamily="34" charset="0"/>
+                <a:ea typeface="Arial" pitchFamily="34" charset="0"/>
                 <a:sym typeface="+mn-ea"/>
               </a:rPr>
               <a:t> </a:t>
@@ -21241,8 +21234,8 @@
                 <a:solidFill>
                   <a:schemeClr val="bg1"/>
                 </a:solidFill>
-                <a:latin typeface="Arial" panose="020B0604020202020204" pitchFamily="34" charset="0"/>
-                <a:ea typeface="Arial" panose="020B0604020202020204" pitchFamily="34" charset="0"/>
+                <a:latin typeface="Arial" pitchFamily="34" charset="0"/>
+                <a:ea typeface="Arial" pitchFamily="34" charset="0"/>
                 <a:sym typeface="+mn-ea"/>
               </a:rPr>
               <a:t>YahBoom     </a:t>
@@ -21252,8 +21245,8 @@
                 <a:solidFill>
                   <a:schemeClr val="bg1"/>
                 </a:solidFill>
-                <a:latin typeface="Arial" panose="020B0604020202020204" pitchFamily="34" charset="0"/>
-                <a:ea typeface="Arial" panose="020B0604020202020204" pitchFamily="34" charset="0"/>
+                <a:latin typeface="Arial" pitchFamily="34" charset="0"/>
+                <a:ea typeface="Arial" pitchFamily="34" charset="0"/>
                 <a:sym typeface="+mn-ea"/>
               </a:rPr>
               <a:t>micro:bit</a:t>
@@ -21263,8 +21256,8 @@
                 <a:solidFill>
                   <a:schemeClr val="bg1"/>
                 </a:solidFill>
-                <a:latin typeface="Arial" panose="020B0604020202020204" pitchFamily="34" charset="0"/>
-                <a:ea typeface="Arial" panose="020B0604020202020204" pitchFamily="34" charset="0"/>
+                <a:latin typeface="Arial" pitchFamily="34" charset="0"/>
+                <a:ea typeface="Arial" pitchFamily="34" charset="0"/>
                 <a:sym typeface="+mn-ea"/>
               </a:rPr>
               <a:t> video tutorial</a:t>
@@ -21524,8 +21517,8 @@
                     <a:lumMod val="75000"/>
                   </a:schemeClr>
                 </a:solidFill>
-                <a:latin typeface="Arial" panose="020B0604020202020204" pitchFamily="34" charset="0"/>
-                <a:ea typeface="Arial" panose="020B0604020202020204" pitchFamily="34" charset="0"/>
+                <a:latin typeface="Arial" pitchFamily="34" charset="0"/>
+                <a:ea typeface="Arial" pitchFamily="34" charset="0"/>
                 <a:sym typeface="+mn-ea"/>
               </a:rPr>
               <a:t>How to add YahBoom extension</a:t>
@@ -21537,8 +21530,8 @@
                     <a:lumMod val="75000"/>
                   </a:schemeClr>
                 </a:solidFill>
-                <a:latin typeface="Arial" panose="020B0604020202020204" pitchFamily="34" charset="0"/>
-                <a:ea typeface="Arial" panose="020B0604020202020204" pitchFamily="34" charset="0"/>
+                <a:latin typeface="Arial" pitchFamily="34" charset="0"/>
+                <a:ea typeface="Arial" pitchFamily="34" charset="0"/>
                 <a:sym typeface="+mn-ea"/>
               </a:rPr>
               <a:t> </a:t>
@@ -21549,8 +21542,8 @@
                   <a:lumMod val="75000"/>
                 </a:schemeClr>
               </a:solidFill>
-              <a:latin typeface="Arial" panose="020B0604020202020204" pitchFamily="34" charset="0"/>
-              <a:ea typeface="Arial" panose="020B0604020202020204" pitchFamily="34" charset="0"/>
+              <a:latin typeface="Arial" pitchFamily="34" charset="0"/>
+              <a:ea typeface="Arial" pitchFamily="34" charset="0"/>
               <a:sym typeface="+mn-ea"/>
             </a:endParaRPr>
           </a:p>
@@ -21589,8 +21582,8 @@
                     </a:srgbClr>
                   </a:outerShdw>
                 </a:effectLst>
-                <a:latin typeface="Arial" panose="020B0604020202020204" pitchFamily="34" charset="0"/>
-                <a:ea typeface="Arial" panose="020B0604020202020204" pitchFamily="34" charset="0"/>
+                <a:latin typeface="Arial" pitchFamily="34" charset="0"/>
+                <a:ea typeface="Arial" pitchFamily="34" charset="0"/>
               </a:rPr>
               <a:t>       Click Advanced,</a:t>
             </a:r>
@@ -21606,8 +21599,8 @@
                     </a:srgbClr>
                   </a:outerShdw>
                 </a:effectLst>
-                <a:latin typeface="Arial" panose="020B0604020202020204" pitchFamily="34" charset="0"/>
-                <a:ea typeface="Arial" panose="020B0604020202020204" pitchFamily="34" charset="0"/>
+                <a:latin typeface="Arial" pitchFamily="34" charset="0"/>
+                <a:ea typeface="Arial" pitchFamily="34" charset="0"/>
               </a:rPr>
               <a:t> </a:t>
             </a:r>
@@ -21623,8 +21616,8 @@
                     </a:srgbClr>
                   </a:outerShdw>
                 </a:effectLst>
-                <a:latin typeface="Arial" panose="020B0604020202020204" pitchFamily="34" charset="0"/>
-                <a:ea typeface="Arial" panose="020B0604020202020204" pitchFamily="34" charset="0"/>
+                <a:latin typeface="Arial" pitchFamily="34" charset="0"/>
+                <a:ea typeface="Arial" pitchFamily="34" charset="0"/>
               </a:rPr>
               <a:t>then Click Add Package</a:t>
             </a:r>
@@ -21639,8 +21632,8 @@
                   </a:srgbClr>
                 </a:outerShdw>
               </a:effectLst>
-              <a:latin typeface="Arial" panose="020B0604020202020204" pitchFamily="34" charset="0"/>
-              <a:ea typeface="Arial" panose="020B0604020202020204" pitchFamily="34" charset="0"/>
+              <a:latin typeface="Arial" pitchFamily="34" charset="0"/>
+              <a:ea typeface="Arial" pitchFamily="34" charset="0"/>
             </a:endParaRPr>
           </a:p>
         </p:txBody>
@@ -21742,8 +21735,8 @@
                     <a:lumMod val="75000"/>
                   </a:schemeClr>
                 </a:solidFill>
-                <a:latin typeface="Arial" panose="020B0604020202020204" pitchFamily="34" charset="0"/>
-                <a:ea typeface="Arial" panose="020B0604020202020204" pitchFamily="34" charset="0"/>
+                <a:latin typeface="Arial" pitchFamily="34" charset="0"/>
+                <a:ea typeface="Arial" pitchFamily="34" charset="0"/>
                 <a:sym typeface="+mn-ea"/>
               </a:rPr>
               <a:t>Part 3</a:t>
@@ -21754,8 +21747,8 @@
                   <a:lumMod val="75000"/>
                 </a:schemeClr>
               </a:solidFill>
-              <a:latin typeface="Arial" panose="020B0604020202020204" pitchFamily="34" charset="0"/>
-              <a:ea typeface="Arial" panose="020B0604020202020204" pitchFamily="34" charset="0"/>
+              <a:latin typeface="Arial" pitchFamily="34" charset="0"/>
+              <a:ea typeface="Arial" pitchFamily="34" charset="0"/>
               <a:sym typeface="+mn-ea"/>
             </a:endParaRPr>
           </a:p>
@@ -22017,8 +22010,8 @@
                     </a:srgbClr>
                   </a:outerShdw>
                 </a:effectLst>
-                <a:latin typeface="Arial" panose="020B0604020202020204" pitchFamily="34" charset="0"/>
-                <a:ea typeface="Arial" panose="020B0604020202020204" pitchFamily="34" charset="0"/>
+                <a:latin typeface="Arial" pitchFamily="34" charset="0"/>
+                <a:ea typeface="Arial" pitchFamily="34" charset="0"/>
                 <a:sym typeface="+mn-ea"/>
               </a:rPr>
               <a:t>Enter the URL in the input column:</a:t>
@@ -22035,8 +22028,8 @@
                     </a:srgbClr>
                   </a:outerShdw>
                 </a:effectLst>
-                <a:latin typeface="Arial" panose="020B0604020202020204" pitchFamily="34" charset="0"/>
-                <a:ea typeface="Arial" panose="020B0604020202020204" pitchFamily="34" charset="0"/>
+                <a:latin typeface="Arial" pitchFamily="34" charset="0"/>
+                <a:ea typeface="Arial" pitchFamily="34" charset="0"/>
                 <a:sym typeface="+mn-ea"/>
               </a:rPr>
               <a:t>https://github.com/lzty634158/yahboom_mbit_en</a:t>
@@ -22052,8 +22045,8 @@
                   </a:srgbClr>
                 </a:outerShdw>
               </a:effectLst>
-              <a:latin typeface="Arial" panose="020B0604020202020204" pitchFamily="34" charset="0"/>
-              <a:ea typeface="Arial" panose="020B0604020202020204" pitchFamily="34" charset="0"/>
+              <a:latin typeface="Arial" pitchFamily="34" charset="0"/>
+              <a:ea typeface="Arial" pitchFamily="34" charset="0"/>
               <a:sym typeface="+mn-ea"/>
             </a:endParaRPr>
           </a:p>
@@ -22070,8 +22063,8 @@
                     </a:srgbClr>
                   </a:outerShdw>
                 </a:effectLst>
-                <a:latin typeface="Arial" panose="020B0604020202020204" pitchFamily="34" charset="0"/>
-                <a:ea typeface="Arial" panose="020B0604020202020204" pitchFamily="34" charset="0"/>
+                <a:latin typeface="Arial" pitchFamily="34" charset="0"/>
+                <a:ea typeface="Arial" pitchFamily="34" charset="0"/>
               </a:rPr>
               <a:t>Then click Mbit, and you can add the package successfully.</a:t>
             </a:r>
@@ -22086,8 +22079,8 @@
                   </a:srgbClr>
                 </a:outerShdw>
               </a:effectLst>
-              <a:latin typeface="Arial" panose="020B0604020202020204" pitchFamily="34" charset="0"/>
-              <a:ea typeface="Arial" panose="020B0604020202020204" pitchFamily="34" charset="0"/>
+              <a:latin typeface="Arial" pitchFamily="34" charset="0"/>
+              <a:ea typeface="Arial" pitchFamily="34" charset="0"/>
             </a:endParaRPr>
           </a:p>
         </p:txBody>
@@ -22118,8 +22111,8 @@
                 <a:solidFill>
                   <a:schemeClr val="bg1"/>
                 </a:solidFill>
-                <a:latin typeface="Arial" panose="020B0604020202020204" pitchFamily="34" charset="0"/>
-                <a:ea typeface="Arial" panose="020B0604020202020204" pitchFamily="34" charset="0"/>
+                <a:latin typeface="Arial" pitchFamily="34" charset="0"/>
+                <a:ea typeface="Arial" pitchFamily="34" charset="0"/>
               </a:rPr>
               <a:t>                       </a:t>
             </a:r>
@@ -22128,8 +22121,8 @@
                 <a:solidFill>
                   <a:schemeClr val="bg1"/>
                 </a:solidFill>
-                <a:latin typeface="Arial" panose="020B0604020202020204" pitchFamily="34" charset="0"/>
-                <a:ea typeface="Arial" panose="020B0604020202020204" pitchFamily="34" charset="0"/>
+                <a:latin typeface="Arial" pitchFamily="34" charset="0"/>
+                <a:ea typeface="Arial" pitchFamily="34" charset="0"/>
               </a:rPr>
               <a:t>             </a:t>
             </a:r>
@@ -22138,8 +22131,8 @@
                 <a:solidFill>
                   <a:schemeClr val="bg1"/>
                 </a:solidFill>
-                <a:latin typeface="Arial" panose="020B0604020202020204" pitchFamily="34" charset="0"/>
-                <a:ea typeface="Arial" panose="020B0604020202020204" pitchFamily="34" charset="0"/>
+                <a:latin typeface="Arial" pitchFamily="34" charset="0"/>
+                <a:ea typeface="Arial" pitchFamily="34" charset="0"/>
               </a:rPr>
               <a:t>micro:bit</a:t>
             </a:r>
@@ -22148,8 +22141,8 @@
                 <a:solidFill>
                   <a:schemeClr val="bg1"/>
                 </a:solidFill>
-                <a:latin typeface="Arial" panose="020B0604020202020204" pitchFamily="34" charset="0"/>
-                <a:ea typeface="Arial" panose="020B0604020202020204" pitchFamily="34" charset="0"/>
+                <a:latin typeface="Arial" pitchFamily="34" charset="0"/>
+                <a:ea typeface="Arial" pitchFamily="34" charset="0"/>
               </a:rPr>
               <a:t> module video tutorial</a:t>
             </a:r>
@@ -22158,21 +22151,21 @@
                 <a:solidFill>
                   <a:schemeClr val="bg1"/>
                 </a:solidFill>
-                <a:latin typeface="Arial" panose="020B0604020202020204" pitchFamily="34" charset="0"/>
-                <a:ea typeface="Arial" panose="020B0604020202020204" pitchFamily="34" charset="0"/>
+                <a:latin typeface="Arial" pitchFamily="34" charset="0"/>
+                <a:ea typeface="Arial" pitchFamily="34" charset="0"/>
               </a:rPr>
               <a:t> </a:t>
             </a:r>
             <a:r>
               <a:rPr lang="zh-CN" altLang="en-US" sz="2800" u="sng">
                 <a:latin typeface="icomoon" charset="0"/>
-                <a:ea typeface="Yu Gothic UI Semibold" panose="020B0700000000000000" charset="-128"/>
+                <a:ea typeface="Yu Gothic UI Semibold" charset="-128"/>
               </a:rPr>
               <a:t>                                </a:t>
             </a:r>
             <a:endParaRPr lang="zh-CN" altLang="en-US" sz="2800" u="sng">
               <a:latin typeface="icomoon" charset="0"/>
-              <a:ea typeface="Yu Gothic UI Semibold" panose="020B0700000000000000" charset="-128"/>
+              <a:ea typeface="Yu Gothic UI Semibold" charset="-128"/>
             </a:endParaRPr>
           </a:p>
         </p:txBody>
@@ -22572,8 +22565,8 @@
                 <a:solidFill>
                   <a:schemeClr val="bg1"/>
                 </a:solidFill>
-                <a:latin typeface="Arial" panose="020B0604020202020204" pitchFamily="34" charset="0"/>
-                <a:ea typeface="Arial" panose="020B0604020202020204" pitchFamily="34" charset="0"/>
+                <a:latin typeface="Arial" pitchFamily="34" charset="0"/>
+                <a:ea typeface="Arial" pitchFamily="34" charset="0"/>
                 <a:sym typeface="+mn-ea"/>
               </a:rPr>
               <a:t> </a:t>
@@ -22583,8 +22576,8 @@
                 <a:solidFill>
                   <a:schemeClr val="bg1"/>
                 </a:solidFill>
-                <a:latin typeface="Arial" panose="020B0604020202020204" pitchFamily="34" charset="0"/>
-                <a:ea typeface="Arial" panose="020B0604020202020204" pitchFamily="34" charset="0"/>
+                <a:latin typeface="Arial" pitchFamily="34" charset="0"/>
+                <a:ea typeface="Arial" pitchFamily="34" charset="0"/>
                 <a:sym typeface="+mn-ea"/>
               </a:rPr>
               <a:t>YahBoom     </a:t>
@@ -22594,8 +22587,8 @@
                 <a:solidFill>
                   <a:schemeClr val="bg1"/>
                 </a:solidFill>
-                <a:latin typeface="Arial" panose="020B0604020202020204" pitchFamily="34" charset="0"/>
-                <a:ea typeface="Arial" panose="020B0604020202020204" pitchFamily="34" charset="0"/>
+                <a:latin typeface="Arial" pitchFamily="34" charset="0"/>
+                <a:ea typeface="Arial" pitchFamily="34" charset="0"/>
                 <a:sym typeface="+mn-ea"/>
               </a:rPr>
               <a:t>micro:bit</a:t>
@@ -22605,8 +22598,8 @@
                 <a:solidFill>
                   <a:schemeClr val="bg1"/>
                 </a:solidFill>
-                <a:latin typeface="Arial" panose="020B0604020202020204" pitchFamily="34" charset="0"/>
-                <a:ea typeface="Arial" panose="020B0604020202020204" pitchFamily="34" charset="0"/>
+                <a:latin typeface="Arial" pitchFamily="34" charset="0"/>
+                <a:ea typeface="Arial" pitchFamily="34" charset="0"/>
                 <a:sym typeface="+mn-ea"/>
               </a:rPr>
               <a:t> video tutorial</a:t>
@@ -22667,8 +22660,8 @@
                     <a:lumMod val="75000"/>
                   </a:schemeClr>
                 </a:solidFill>
-                <a:latin typeface="Arial" panose="020B0604020202020204" pitchFamily="34" charset="0"/>
-                <a:ea typeface="Arial" panose="020B0604020202020204" pitchFamily="34" charset="0"/>
+                <a:latin typeface="Arial" pitchFamily="34" charset="0"/>
+                <a:ea typeface="Arial" pitchFamily="34" charset="0"/>
                 <a:sym typeface="+mn-ea"/>
               </a:rPr>
               <a:t>How to add YahBoom extension</a:t>
@@ -22680,8 +22673,8 @@
                     <a:lumMod val="75000"/>
                   </a:schemeClr>
                 </a:solidFill>
-                <a:latin typeface="Arial" panose="020B0604020202020204" pitchFamily="34" charset="0"/>
-                <a:ea typeface="Arial" panose="020B0604020202020204" pitchFamily="34" charset="0"/>
+                <a:latin typeface="Arial" pitchFamily="34" charset="0"/>
+                <a:ea typeface="Arial" pitchFamily="34" charset="0"/>
                 <a:sym typeface="+mn-ea"/>
               </a:rPr>
               <a:t> </a:t>
@@ -22692,8 +22685,8 @@
                   <a:lumMod val="75000"/>
                 </a:schemeClr>
               </a:solidFill>
-              <a:latin typeface="Arial" panose="020B0604020202020204" pitchFamily="34" charset="0"/>
-              <a:ea typeface="Arial" panose="020B0604020202020204" pitchFamily="34" charset="0"/>
+              <a:latin typeface="Arial" pitchFamily="34" charset="0"/>
+              <a:ea typeface="Arial" pitchFamily="34" charset="0"/>
               <a:sym typeface="+mn-ea"/>
             </a:endParaRPr>
           </a:p>
@@ -22949,6 +22942,8 @@
       </a:bgFillStyleLst>
     </a:fmtScheme>
   </a:themeElements>
+  <a:objectDefaults/>
+  <a:extraClrSchemeLst/>
   <a:extLst>
     <a:ext uri="{05A4C25C-085E-4340-85A3-A5531E510DB2}">
       <thm15:themeFamily xmlns:thm15="http://schemas.microsoft.com/office/thememl/2012/main" name="Office Theme" id="{62F939B6-93AF-4DB8-9C6B-D6C7DFDC589F}" vid="{4A3C46E8-61CC-4603-A589-7422A47A8E4A}"/>
@@ -23208,6 +23203,8 @@
       </a:bgFillStyleLst>
     </a:fmtScheme>
   </a:themeElements>
+  <a:objectDefaults/>
+  <a:extraClrSchemeLst/>
   <a:extLst>
     <a:ext uri="{05A4C25C-085E-4340-85A3-A5531E510DB2}">
       <thm15:themeFamily xmlns:thm15="http://schemas.microsoft.com/office/thememl/2012/main" name="Office Theme" id="{62F939B6-93AF-4DB8-9C6B-D6C7DFDC589F}" vid="{4A3C46E8-61CC-4603-A589-7422A47A8E4A}"/>
@@ -23467,6 +23464,8 @@
       </a:bgFillStyleLst>
     </a:fmtScheme>
   </a:themeElements>
+  <a:objectDefaults/>
+  <a:extraClrSchemeLst/>
   <a:extLst>
     <a:ext uri="{05A4C25C-085E-4340-85A3-A5531E510DB2}">
       <thm15:themeFamily xmlns:thm15="http://schemas.microsoft.com/office/thememl/2012/main" name="Office Theme" id="{62F939B6-93AF-4DB8-9C6B-D6C7DFDC589F}" vid="{4A3C46E8-61CC-4603-A589-7422A47A8E4A}"/>
